--- a/SQL.pptx
+++ b/SQL.pptx
@@ -143,7 +143,7 @@
 <file path=ppt/revisionInfo.xml><?xml version="1.0" encoding="utf-8"?>
 <p1510:revInfo xmlns:a="http://schemas.openxmlformats.org/drawingml/2006/main" xmlns:r="http://schemas.openxmlformats.org/officeDocument/2006/relationships" xmlns:p1510="http://schemas.microsoft.com/office/powerpoint/2015/10/main">
   <p1510:revLst>
-    <p1510:client id="{13534F4B-E03C-483C-AC9C-0DEFE71C687F}" v="1139" dt="2020-01-24T16:51:26.609"/>
+    <p1510:client id="{AFF7F296-3AC8-409A-9071-8C3A0CA9FE95}" v="299" dt="2021-01-18T01:21:12.885"/>
   </p1510:revLst>
 </p1510:revInfo>
 </file>
@@ -2021,6 +2021,30 @@
       </pc:sldChg>
     </pc:docChg>
   </pc:docChgLst>
+  <pc:docChgLst>
+    <pc:chgData name="MIKE keith" userId="25ab65adf9c03e25" providerId="LiveId" clId="{AFF7F296-3AC8-409A-9071-8C3A0CA9FE95}"/>
+    <pc:docChg chg="modSld sldOrd">
+      <pc:chgData name="MIKE keith" userId="25ab65adf9c03e25" providerId="LiveId" clId="{AFF7F296-3AC8-409A-9071-8C3A0CA9FE95}" dt="2021-01-18T01:21:12.810" v="293" actId="114"/>
+      <pc:docMkLst>
+        <pc:docMk/>
+      </pc:docMkLst>
+      <pc:sldChg chg="modSp ord">
+        <pc:chgData name="MIKE keith" userId="25ab65adf9c03e25" providerId="LiveId" clId="{AFF7F296-3AC8-409A-9071-8C3A0CA9FE95}" dt="2021-01-18T01:21:12.810" v="293" actId="114"/>
+        <pc:sldMkLst>
+          <pc:docMk/>
+          <pc:sldMk cId="1396768436" sldId="271"/>
+        </pc:sldMkLst>
+        <pc:graphicFrameChg chg="mod">
+          <ac:chgData name="MIKE keith" userId="25ab65adf9c03e25" providerId="LiveId" clId="{AFF7F296-3AC8-409A-9071-8C3A0CA9FE95}" dt="2021-01-18T01:21:12.810" v="293" actId="114"/>
+          <ac:graphicFrameMkLst>
+            <pc:docMk/>
+            <pc:sldMk cId="1396768436" sldId="271"/>
+            <ac:graphicFrameMk id="34" creationId="{D9C03EDA-3E29-4883-9F1F-5E383084AB12}"/>
+          </ac:graphicFrameMkLst>
+        </pc:graphicFrameChg>
+      </pc:sldChg>
+    </pc:docChg>
+  </pc:docChgLst>
 </pc:chgInfo>
 </file>
 
@@ -8689,7 +8713,7 @@
         <a:p>
           <a:r>
             <a:rPr lang="en-US" dirty="0"/>
-            <a:t>Graduated in 2018</a:t>
+            <a:t>Graduated from the FSU MSAE program in 2018</a:t>
           </a:r>
         </a:p>
       </dgm:t>
@@ -8725,15 +8749,7 @@
         <a:p>
           <a:r>
             <a:rPr lang="en-US" dirty="0"/>
-            <a:t>Omni-Channel Analyst </a:t>
-          </a:r>
-          <a:r>
-            <a:rPr lang="en-US"/>
-            <a:t>for Disney for </a:t>
-          </a:r>
-          <a:r>
-            <a:rPr lang="en-US" dirty="0"/>
-            <a:t>1 year, also teach part-time at WGU</a:t>
+            <a:t>Data Scientist for the Utah Department of Health</a:t>
           </a:r>
         </a:p>
       </dgm:t>
@@ -8770,7 +8786,11 @@
           <a:pPr rtl="0"/>
           <a:r>
             <a:rPr lang="en-US" dirty="0"/>
-            <a:t>FSU distinctions: Outstanding Student, Kaul Fellow, Best Project Report</a:t>
+            <a:t>Publications: </a:t>
+          </a:r>
+          <a:r>
+            <a:rPr lang="en-US" i="1" dirty="0"/>
+            <a:t>Machine Learning with Regression in Python, Scaled Forecasting with Python and R</a:t>
           </a:r>
         </a:p>
       </dgm:t>
@@ -8806,7 +8826,7 @@
         <a:p>
           <a:r>
             <a:rPr lang="en-US" dirty="0"/>
-            <a:t>Originally from Utah – moved to Florida for this program</a:t>
+            <a:t>Previously employed by Disney and Mather Economics</a:t>
           </a:r>
         </a:p>
       </dgm:t>
@@ -11603,12 +11623,12 @@
         <a:fontRef idx="minor"/>
       </dsp:style>
       <dsp:txBody>
-        <a:bodyPr spcFirstLastPara="0" vert="horz" wrap="square" lIns="99060" tIns="99060" rIns="99060" bIns="99060" numCol="1" spcCol="1270" anchor="t" anchorCtr="0">
+        <a:bodyPr spcFirstLastPara="0" vert="horz" wrap="square" lIns="95250" tIns="95250" rIns="95250" bIns="95250" numCol="1" spcCol="1270" anchor="t" anchorCtr="0">
           <a:noAutofit/>
         </a:bodyPr>
         <a:lstStyle/>
         <a:p>
-          <a:pPr marL="0" lvl="0" indent="0" algn="l" defTabSz="1155700">
+          <a:pPr marL="0" lvl="0" indent="0" algn="l" defTabSz="1111250">
             <a:lnSpc>
               <a:spcPct val="90000"/>
             </a:lnSpc>
@@ -11621,8 +11641,8 @@
             <a:buNone/>
           </a:pPr>
           <a:r>
-            <a:rPr lang="en-US" sz="2600" kern="1200" dirty="0"/>
-            <a:t>Graduated in 2018</a:t>
+            <a:rPr lang="en-US" sz="2500" kern="1200" dirty="0"/>
+            <a:t>Graduated from the FSU MSAE program in 2018</a:t>
           </a:r>
         </a:p>
       </dsp:txBody>
@@ -11713,12 +11733,12 @@
         <a:fontRef idx="minor"/>
       </dsp:style>
       <dsp:txBody>
-        <a:bodyPr spcFirstLastPara="0" vert="horz" wrap="square" lIns="99060" tIns="99060" rIns="99060" bIns="99060" numCol="1" spcCol="1270" anchor="t" anchorCtr="0">
+        <a:bodyPr spcFirstLastPara="0" vert="horz" wrap="square" lIns="95250" tIns="95250" rIns="95250" bIns="95250" numCol="1" spcCol="1270" anchor="t" anchorCtr="0">
           <a:noAutofit/>
         </a:bodyPr>
         <a:lstStyle/>
         <a:p>
-          <a:pPr marL="0" lvl="0" indent="0" algn="l" defTabSz="1155700">
+          <a:pPr marL="0" lvl="0" indent="0" algn="l" defTabSz="1111250">
             <a:lnSpc>
               <a:spcPct val="90000"/>
             </a:lnSpc>
@@ -11731,16 +11751,8 @@
             <a:buNone/>
           </a:pPr>
           <a:r>
-            <a:rPr lang="en-US" sz="2600" kern="1200" dirty="0"/>
-            <a:t>Omni-Channel Analyst </a:t>
-          </a:r>
-          <a:r>
-            <a:rPr lang="en-US" sz="2600" kern="1200"/>
-            <a:t>for Disney for </a:t>
-          </a:r>
-          <a:r>
-            <a:rPr lang="en-US" sz="2600" kern="1200" dirty="0"/>
-            <a:t>1 year, also teach part-time at WGU</a:t>
+            <a:rPr lang="en-US" sz="2500" kern="1200" dirty="0"/>
+            <a:t>Data Scientist for the Utah Department of Health</a:t>
           </a:r>
         </a:p>
       </dsp:txBody>
@@ -11831,12 +11843,12 @@
         <a:fontRef idx="minor"/>
       </dsp:style>
       <dsp:txBody>
-        <a:bodyPr spcFirstLastPara="0" vert="horz" wrap="square" lIns="99060" tIns="99060" rIns="99060" bIns="99060" numCol="1" spcCol="1270" anchor="t" anchorCtr="0">
+        <a:bodyPr spcFirstLastPara="0" vert="horz" wrap="square" lIns="95250" tIns="95250" rIns="95250" bIns="95250" numCol="1" spcCol="1270" anchor="t" anchorCtr="0">
           <a:noAutofit/>
         </a:bodyPr>
         <a:lstStyle/>
         <a:p>
-          <a:pPr marL="0" lvl="0" indent="0" algn="l" defTabSz="1155700" rtl="0">
+          <a:pPr marL="0" lvl="0" indent="0" algn="l" defTabSz="1111250" rtl="0">
             <a:lnSpc>
               <a:spcPct val="90000"/>
             </a:lnSpc>
@@ -11849,8 +11861,12 @@
             <a:buNone/>
           </a:pPr>
           <a:r>
-            <a:rPr lang="en-US" sz="2600" kern="1200" dirty="0"/>
-            <a:t>FSU distinctions: Outstanding Student, Kaul Fellow, Best Project Report</a:t>
+            <a:rPr lang="en-US" sz="2500" kern="1200" dirty="0"/>
+            <a:t>Publications: </a:t>
+          </a:r>
+          <a:r>
+            <a:rPr lang="en-US" sz="2500" i="1" kern="1200" dirty="0"/>
+            <a:t>Machine Learning with Regression in Python, Scaled Forecasting with Python and R</a:t>
           </a:r>
         </a:p>
       </dsp:txBody>
@@ -11941,12 +11957,12 @@
         <a:fontRef idx="minor"/>
       </dsp:style>
       <dsp:txBody>
-        <a:bodyPr spcFirstLastPara="0" vert="horz" wrap="square" lIns="99060" tIns="99060" rIns="99060" bIns="99060" numCol="1" spcCol="1270" anchor="t" anchorCtr="0">
+        <a:bodyPr spcFirstLastPara="0" vert="horz" wrap="square" lIns="95250" tIns="95250" rIns="95250" bIns="95250" numCol="1" spcCol="1270" anchor="t" anchorCtr="0">
           <a:noAutofit/>
         </a:bodyPr>
         <a:lstStyle/>
         <a:p>
-          <a:pPr marL="0" lvl="0" indent="0" algn="l" defTabSz="1155700">
+          <a:pPr marL="0" lvl="0" indent="0" algn="l" defTabSz="1111250">
             <a:lnSpc>
               <a:spcPct val="90000"/>
             </a:lnSpc>
@@ -11959,8 +11975,8 @@
             <a:buNone/>
           </a:pPr>
           <a:r>
-            <a:rPr lang="en-US" sz="2600" kern="1200" dirty="0"/>
-            <a:t>Originally from Utah – moved to Florida for this program</a:t>
+            <a:rPr lang="en-US" sz="2500" kern="1200" dirty="0"/>
+            <a:t>Previously employed by Disney and Mather Economics</a:t>
           </a:r>
         </a:p>
       </dsp:txBody>
@@ -12051,12 +12067,12 @@
         <a:fontRef idx="minor"/>
       </dsp:style>
       <dsp:txBody>
-        <a:bodyPr spcFirstLastPara="0" vert="horz" wrap="square" lIns="99060" tIns="99060" rIns="99060" bIns="99060" numCol="1" spcCol="1270" anchor="t" anchorCtr="0">
+        <a:bodyPr spcFirstLastPara="0" vert="horz" wrap="square" lIns="95250" tIns="95250" rIns="95250" bIns="95250" numCol="1" spcCol="1270" anchor="t" anchorCtr="0">
           <a:noAutofit/>
         </a:bodyPr>
         <a:lstStyle/>
         <a:p>
-          <a:pPr marL="0" lvl="0" indent="0" algn="l" defTabSz="1155700">
+          <a:pPr marL="0" lvl="0" indent="0" algn="l" defTabSz="1111250">
             <a:lnSpc>
               <a:spcPct val="90000"/>
             </a:lnSpc>
@@ -12069,16 +12085,16 @@
             <a:buNone/>
           </a:pPr>
           <a:r>
-            <a:rPr lang="en-US" sz="2600" kern="1200" dirty="0"/>
+            <a:rPr lang="en-US" sz="2500" kern="1200" dirty="0"/>
             <a:t>LinkedIn: </a:t>
           </a:r>
           <a:r>
-            <a:rPr lang="en-US" sz="2600" kern="1200" dirty="0">
+            <a:rPr lang="en-US" sz="2500" kern="1200" dirty="0">
               <a:hlinkClick xmlns:r="http://schemas.openxmlformats.org/officeDocument/2006/relationships" r:id="rId1"/>
             </a:rPr>
             <a:t>https://www.linkedin.com/in/michaelwkeith/</a:t>
           </a:r>
-          <a:endParaRPr lang="en-US" sz="2600" kern="1200" dirty="0"/>
+          <a:endParaRPr lang="en-US" sz="2500" kern="1200" dirty="0"/>
         </a:p>
       </dsp:txBody>
       <dsp:txXfrm>
@@ -26257,7 +26273,7 @@
           <a:p>
             <a:fld id="{272AB1B3-C78C-4E65-B03F-8A34897D3565}" type="datetimeFigureOut">
               <a:rPr lang="en-US" smtClean="0"/>
-              <a:t>1/24/2020</a:t>
+              <a:t>1/17/2021</a:t>
             </a:fld>
             <a:endParaRPr lang="en-US"/>
           </a:p>
@@ -26455,7 +26471,7 @@
           <a:p>
             <a:fld id="{272AB1B3-C78C-4E65-B03F-8A34897D3565}" type="datetimeFigureOut">
               <a:rPr lang="en-US" smtClean="0"/>
-              <a:t>1/24/2020</a:t>
+              <a:t>1/17/2021</a:t>
             </a:fld>
             <a:endParaRPr lang="en-US"/>
           </a:p>
@@ -26663,7 +26679,7 @@
           <a:p>
             <a:fld id="{272AB1B3-C78C-4E65-B03F-8A34897D3565}" type="datetimeFigureOut">
               <a:rPr lang="en-US" smtClean="0"/>
-              <a:t>1/24/2020</a:t>
+              <a:t>1/17/2021</a:t>
             </a:fld>
             <a:endParaRPr lang="en-US"/>
           </a:p>
@@ -26861,7 +26877,7 @@
           <a:p>
             <a:fld id="{272AB1B3-C78C-4E65-B03F-8A34897D3565}" type="datetimeFigureOut">
               <a:rPr lang="en-US" smtClean="0"/>
-              <a:t>1/24/2020</a:t>
+              <a:t>1/17/2021</a:t>
             </a:fld>
             <a:endParaRPr lang="en-US"/>
           </a:p>
@@ -27136,7 +27152,7 @@
           <a:p>
             <a:fld id="{272AB1B3-C78C-4E65-B03F-8A34897D3565}" type="datetimeFigureOut">
               <a:rPr lang="en-US" smtClean="0"/>
-              <a:t>1/24/2020</a:t>
+              <a:t>1/17/2021</a:t>
             </a:fld>
             <a:endParaRPr lang="en-US"/>
           </a:p>
@@ -27401,7 +27417,7 @@
           <a:p>
             <a:fld id="{272AB1B3-C78C-4E65-B03F-8A34897D3565}" type="datetimeFigureOut">
               <a:rPr lang="en-US" smtClean="0"/>
-              <a:t>1/24/2020</a:t>
+              <a:t>1/17/2021</a:t>
             </a:fld>
             <a:endParaRPr lang="en-US"/>
           </a:p>
@@ -27813,7 +27829,7 @@
           <a:p>
             <a:fld id="{272AB1B3-C78C-4E65-B03F-8A34897D3565}" type="datetimeFigureOut">
               <a:rPr lang="en-US" smtClean="0"/>
-              <a:t>1/24/2020</a:t>
+              <a:t>1/17/2021</a:t>
             </a:fld>
             <a:endParaRPr lang="en-US"/>
           </a:p>
@@ -27954,7 +27970,7 @@
           <a:p>
             <a:fld id="{272AB1B3-C78C-4E65-B03F-8A34897D3565}" type="datetimeFigureOut">
               <a:rPr lang="en-US" smtClean="0"/>
-              <a:t>1/24/2020</a:t>
+              <a:t>1/17/2021</a:t>
             </a:fld>
             <a:endParaRPr lang="en-US"/>
           </a:p>
@@ -28067,7 +28083,7 @@
           <a:p>
             <a:fld id="{272AB1B3-C78C-4E65-B03F-8A34897D3565}" type="datetimeFigureOut">
               <a:rPr lang="en-US" smtClean="0"/>
-              <a:t>1/24/2020</a:t>
+              <a:t>1/17/2021</a:t>
             </a:fld>
             <a:endParaRPr lang="en-US"/>
           </a:p>
@@ -28378,7 +28394,7 @@
           <a:p>
             <a:fld id="{272AB1B3-C78C-4E65-B03F-8A34897D3565}" type="datetimeFigureOut">
               <a:rPr lang="en-US" smtClean="0"/>
-              <a:t>1/24/2020</a:t>
+              <a:t>1/17/2021</a:t>
             </a:fld>
             <a:endParaRPr lang="en-US"/>
           </a:p>
@@ -28666,7 +28682,7 @@
           <a:p>
             <a:fld id="{272AB1B3-C78C-4E65-B03F-8A34897D3565}" type="datetimeFigureOut">
               <a:rPr lang="en-US" smtClean="0"/>
-              <a:t>1/24/2020</a:t>
+              <a:t>1/17/2021</a:t>
             </a:fld>
             <a:endParaRPr lang="en-US"/>
           </a:p>
@@ -28907,7 +28923,7 @@
           <a:p>
             <a:fld id="{272AB1B3-C78C-4E65-B03F-8A34897D3565}" type="datetimeFigureOut">
               <a:rPr lang="en-US" smtClean="0"/>
-              <a:t>1/24/2020</a:t>
+              <a:t>1/17/2021</a:t>
             </a:fld>
             <a:endParaRPr lang="en-US"/>
           </a:p>
@@ -29981,7 +29997,7 @@
             <p:ph idx="1"/>
             <p:extLst>
               <p:ext uri="{D42A27DB-BD31-4B8C-83A1-F6EECF244321}">
-                <p14:modId xmlns:p14="http://schemas.microsoft.com/office/powerpoint/2010/main" val="1408013417"/>
+                <p14:modId xmlns:p14="http://schemas.microsoft.com/office/powerpoint/2010/main" val="1696067076"/>
               </p:ext>
             </p:extLst>
           </p:nvPr>

--- a/SQL.pptx
+++ b/SQL.pptx
@@ -151,6 +151,70 @@
 <file path=ppt/changesInfos/changesInfo1.xml><?xml version="1.0" encoding="utf-8"?>
 <pc:chgInfo xmlns:a="http://schemas.openxmlformats.org/drawingml/2006/main" xmlns:r="http://schemas.openxmlformats.org/officeDocument/2006/relationships" xmlns:ac="http://schemas.microsoft.com/office/drawing/2013/main/command" xmlns:pc="http://schemas.microsoft.com/office/powerpoint/2013/main/command">
   <pc:docChgLst>
+    <pc:chgData name="MIKE keith" userId="25ab65adf9c03e25" providerId="Windows Live" clId="Web-{15358A5E-0C2B-4C60-AF22-5B34C9AD1FFE}"/>
+    <pc:docChg chg="">
+      <pc:chgData name="MIKE keith" userId="25ab65adf9c03e25" providerId="Windows Live" clId="Web-{15358A5E-0C2B-4C60-AF22-5B34C9AD1FFE}" dt="2020-01-23T16:27:02.633" v="0"/>
+      <pc:docMkLst>
+        <pc:docMk/>
+      </pc:docMkLst>
+      <pc:sldChg chg="delCm">
+        <pc:chgData name="MIKE keith" userId="25ab65adf9c03e25" providerId="Windows Live" clId="Web-{15358A5E-0C2B-4C60-AF22-5B34C9AD1FFE}" dt="2020-01-23T16:27:02.633" v="0"/>
+        <pc:sldMkLst>
+          <pc:docMk/>
+          <pc:sldMk cId="433999970" sldId="274"/>
+        </pc:sldMkLst>
+      </pc:sldChg>
+    </pc:docChg>
+  </pc:docChgLst>
+  <pc:docChgLst>
+    <pc:chgData name="MIKE keith" userId="25ab65adf9c03e25" providerId="Windows Live" clId="Web-{E95747C5-91CB-423A-B5B1-4F3F00CE418B}"/>
+    <pc:docChg chg="modSld">
+      <pc:chgData name="MIKE keith" userId="25ab65adf9c03e25" providerId="Windows Live" clId="Web-{E95747C5-91CB-423A-B5B1-4F3F00CE418B}" dt="2020-01-23T16:24:04.929" v="9" actId="20577"/>
+      <pc:docMkLst>
+        <pc:docMk/>
+      </pc:docMkLst>
+      <pc:sldChg chg="modSp">
+        <pc:chgData name="MIKE keith" userId="25ab65adf9c03e25" providerId="Windows Live" clId="Web-{E95747C5-91CB-423A-B5B1-4F3F00CE418B}" dt="2020-01-23T16:24:04.929" v="9" actId="20577"/>
+        <pc:sldMkLst>
+          <pc:docMk/>
+          <pc:sldMk cId="1396768436" sldId="271"/>
+        </pc:sldMkLst>
+        <pc:graphicFrameChg chg="modGraphic">
+          <ac:chgData name="MIKE keith" userId="25ab65adf9c03e25" providerId="Windows Live" clId="Web-{E95747C5-91CB-423A-B5B1-4F3F00CE418B}" dt="2020-01-23T16:24:04.929" v="9" actId="20577"/>
+          <ac:graphicFrameMkLst>
+            <pc:docMk/>
+            <pc:sldMk cId="1396768436" sldId="271"/>
+            <ac:graphicFrameMk id="34" creationId="{D9C03EDA-3E29-4883-9F1F-5E383084AB12}"/>
+          </ac:graphicFrameMkLst>
+        </pc:graphicFrameChg>
+      </pc:sldChg>
+    </pc:docChg>
+  </pc:docChgLst>
+  <pc:docChgLst>
+    <pc:chgData name="MIKE keith" userId="25ab65adf9c03e25" providerId="LiveId" clId="{AFF7F296-3AC8-409A-9071-8C3A0CA9FE95}"/>
+    <pc:docChg chg="modSld sldOrd">
+      <pc:chgData name="MIKE keith" userId="25ab65adf9c03e25" providerId="LiveId" clId="{AFF7F296-3AC8-409A-9071-8C3A0CA9FE95}" dt="2021-01-18T01:21:12.810" v="293" actId="114"/>
+      <pc:docMkLst>
+        <pc:docMk/>
+      </pc:docMkLst>
+      <pc:sldChg chg="modSp ord">
+        <pc:chgData name="MIKE keith" userId="25ab65adf9c03e25" providerId="LiveId" clId="{AFF7F296-3AC8-409A-9071-8C3A0CA9FE95}" dt="2021-01-18T01:21:12.810" v="293" actId="114"/>
+        <pc:sldMkLst>
+          <pc:docMk/>
+          <pc:sldMk cId="1396768436" sldId="271"/>
+        </pc:sldMkLst>
+        <pc:graphicFrameChg chg="mod">
+          <ac:chgData name="MIKE keith" userId="25ab65adf9c03e25" providerId="LiveId" clId="{AFF7F296-3AC8-409A-9071-8C3A0CA9FE95}" dt="2021-01-18T01:21:12.810" v="293" actId="114"/>
+          <ac:graphicFrameMkLst>
+            <pc:docMk/>
+            <pc:sldMk cId="1396768436" sldId="271"/>
+            <ac:graphicFrameMk id="34" creationId="{D9C03EDA-3E29-4883-9F1F-5E383084AB12}"/>
+          </ac:graphicFrameMkLst>
+        </pc:graphicFrameChg>
+      </pc:sldChg>
+    </pc:docChg>
+  </pc:docChgLst>
+  <pc:docChgLst>
     <pc:chgData name="MIKE keith" userId="25ab65adf9c03e25" providerId="Windows Live" clId="Web-{1D618679-286F-42C9-9AE0-A98F24F6DB37}"/>
     <pc:docChg chg="modSld">
       <pc:chgData name="MIKE keith" userId="25ab65adf9c03e25" providerId="Windows Live" clId="Web-{1D618679-286F-42C9-9AE0-A98F24F6DB37}" dt="2020-01-16T13:31:40.473" v="18" actId="20577"/>
@@ -175,24 +239,24 @@
     </pc:docChg>
   </pc:docChgLst>
   <pc:docChgLst>
-    <pc:chgData name="MIKE keith" userId="25ab65adf9c03e25" providerId="Windows Live" clId="Web-{A5FDD66F-BC1C-4D7A-9C7D-66DD30AEE87A}"/>
+    <pc:chgData name="MIKE keith" userId="25ab65adf9c03e25" providerId="Windows Live" clId="Web-{554EFBB4-3259-4491-A444-3ECC0592173A}"/>
     <pc:docChg chg="modSld">
-      <pc:chgData name="MIKE keith" userId="25ab65adf9c03e25" providerId="Windows Live" clId="Web-{A5FDD66F-BC1C-4D7A-9C7D-66DD30AEE87A}" dt="2020-01-23T13:31:19.521" v="8" actId="20577"/>
+      <pc:chgData name="MIKE keith" userId="25ab65adf9c03e25" providerId="Windows Live" clId="Web-{554EFBB4-3259-4491-A444-3ECC0592173A}" dt="2020-01-21T18:03:24.383" v="14" actId="20577"/>
       <pc:docMkLst>
         <pc:docMk/>
       </pc:docMkLst>
       <pc:sldChg chg="modSp">
-        <pc:chgData name="MIKE keith" userId="25ab65adf9c03e25" providerId="Windows Live" clId="Web-{A5FDD66F-BC1C-4D7A-9C7D-66DD30AEE87A}" dt="2020-01-23T13:31:19.521" v="8" actId="20577"/>
+        <pc:chgData name="MIKE keith" userId="25ab65adf9c03e25" providerId="Windows Live" clId="Web-{554EFBB4-3259-4491-A444-3ECC0592173A}" dt="2020-01-21T18:03:24.383" v="14" actId="20577"/>
         <pc:sldMkLst>
           <pc:docMk/>
-          <pc:sldMk cId="1396768436" sldId="271"/>
+          <pc:sldMk cId="523567894" sldId="267"/>
         </pc:sldMkLst>
         <pc:graphicFrameChg chg="modGraphic">
-          <ac:chgData name="MIKE keith" userId="25ab65adf9c03e25" providerId="Windows Live" clId="Web-{A5FDD66F-BC1C-4D7A-9C7D-66DD30AEE87A}" dt="2020-01-23T13:31:19.521" v="8" actId="20577"/>
+          <ac:chgData name="MIKE keith" userId="25ab65adf9c03e25" providerId="Windows Live" clId="Web-{554EFBB4-3259-4491-A444-3ECC0592173A}" dt="2020-01-21T18:03:24.383" v="14" actId="20577"/>
           <ac:graphicFrameMkLst>
             <pc:docMk/>
-            <pc:sldMk cId="1396768436" sldId="271"/>
-            <ac:graphicFrameMk id="34" creationId="{D9C03EDA-3E29-4883-9F1F-5E383084AB12}"/>
+            <pc:sldMk cId="523567894" sldId="267"/>
+            <ac:graphicFrameMk id="5" creationId="{3DD9A21E-52EC-43B1-84F0-BFA136A17059}"/>
           </ac:graphicFrameMkLst>
         </pc:graphicFrameChg>
       </pc:sldChg>
@@ -468,6 +532,30 @@
             <ac:spMk id="3" creationId="{13C3A35D-B666-4B98-AC5A-A1C918FB7665}"/>
           </ac:spMkLst>
         </pc:spChg>
+      </pc:sldChg>
+    </pc:docChg>
+  </pc:docChgLst>
+  <pc:docChgLst>
+    <pc:chgData name="MIKE keith" userId="25ab65adf9c03e25" providerId="Windows Live" clId="Web-{A5FDD66F-BC1C-4D7A-9C7D-66DD30AEE87A}"/>
+    <pc:docChg chg="modSld">
+      <pc:chgData name="MIKE keith" userId="25ab65adf9c03e25" providerId="Windows Live" clId="Web-{A5FDD66F-BC1C-4D7A-9C7D-66DD30AEE87A}" dt="2020-01-23T13:31:19.521" v="8" actId="20577"/>
+      <pc:docMkLst>
+        <pc:docMk/>
+      </pc:docMkLst>
+      <pc:sldChg chg="modSp">
+        <pc:chgData name="MIKE keith" userId="25ab65adf9c03e25" providerId="Windows Live" clId="Web-{A5FDD66F-BC1C-4D7A-9C7D-66DD30AEE87A}" dt="2020-01-23T13:31:19.521" v="8" actId="20577"/>
+        <pc:sldMkLst>
+          <pc:docMk/>
+          <pc:sldMk cId="1396768436" sldId="271"/>
+        </pc:sldMkLst>
+        <pc:graphicFrameChg chg="modGraphic">
+          <ac:chgData name="MIKE keith" userId="25ab65adf9c03e25" providerId="Windows Live" clId="Web-{A5FDD66F-BC1C-4D7A-9C7D-66DD30AEE87A}" dt="2020-01-23T13:31:19.521" v="8" actId="20577"/>
+          <ac:graphicFrameMkLst>
+            <pc:docMk/>
+            <pc:sldMk cId="1396768436" sldId="271"/>
+            <ac:graphicFrameMk id="34" creationId="{D9C03EDA-3E29-4883-9F1F-5E383084AB12}"/>
+          </ac:graphicFrameMkLst>
+        </pc:graphicFrameChg>
       </pc:sldChg>
     </pc:docChg>
   </pc:docChgLst>
@@ -1889,70 +1977,6 @@
     </pc:docChg>
   </pc:docChgLst>
   <pc:docChgLst>
-    <pc:chgData name="MIKE keith" userId="25ab65adf9c03e25" providerId="Windows Live" clId="Web-{E95747C5-91CB-423A-B5B1-4F3F00CE418B}"/>
-    <pc:docChg chg="modSld">
-      <pc:chgData name="MIKE keith" userId="25ab65adf9c03e25" providerId="Windows Live" clId="Web-{E95747C5-91CB-423A-B5B1-4F3F00CE418B}" dt="2020-01-23T16:24:04.929" v="9" actId="20577"/>
-      <pc:docMkLst>
-        <pc:docMk/>
-      </pc:docMkLst>
-      <pc:sldChg chg="modSp">
-        <pc:chgData name="MIKE keith" userId="25ab65adf9c03e25" providerId="Windows Live" clId="Web-{E95747C5-91CB-423A-B5B1-4F3F00CE418B}" dt="2020-01-23T16:24:04.929" v="9" actId="20577"/>
-        <pc:sldMkLst>
-          <pc:docMk/>
-          <pc:sldMk cId="1396768436" sldId="271"/>
-        </pc:sldMkLst>
-        <pc:graphicFrameChg chg="modGraphic">
-          <ac:chgData name="MIKE keith" userId="25ab65adf9c03e25" providerId="Windows Live" clId="Web-{E95747C5-91CB-423A-B5B1-4F3F00CE418B}" dt="2020-01-23T16:24:04.929" v="9" actId="20577"/>
-          <ac:graphicFrameMkLst>
-            <pc:docMk/>
-            <pc:sldMk cId="1396768436" sldId="271"/>
-            <ac:graphicFrameMk id="34" creationId="{D9C03EDA-3E29-4883-9F1F-5E383084AB12}"/>
-          </ac:graphicFrameMkLst>
-        </pc:graphicFrameChg>
-      </pc:sldChg>
-    </pc:docChg>
-  </pc:docChgLst>
-  <pc:docChgLst>
-    <pc:chgData name="MIKE keith" userId="25ab65adf9c03e25" providerId="Windows Live" clId="Web-{15358A5E-0C2B-4C60-AF22-5B34C9AD1FFE}"/>
-    <pc:docChg chg="">
-      <pc:chgData name="MIKE keith" userId="25ab65adf9c03e25" providerId="Windows Live" clId="Web-{15358A5E-0C2B-4C60-AF22-5B34C9AD1FFE}" dt="2020-01-23T16:27:02.633" v="0"/>
-      <pc:docMkLst>
-        <pc:docMk/>
-      </pc:docMkLst>
-      <pc:sldChg chg="delCm">
-        <pc:chgData name="MIKE keith" userId="25ab65adf9c03e25" providerId="Windows Live" clId="Web-{15358A5E-0C2B-4C60-AF22-5B34C9AD1FFE}" dt="2020-01-23T16:27:02.633" v="0"/>
-        <pc:sldMkLst>
-          <pc:docMk/>
-          <pc:sldMk cId="433999970" sldId="274"/>
-        </pc:sldMkLst>
-      </pc:sldChg>
-    </pc:docChg>
-  </pc:docChgLst>
-  <pc:docChgLst>
-    <pc:chgData name="MIKE keith" userId="25ab65adf9c03e25" providerId="Windows Live" clId="Web-{554EFBB4-3259-4491-A444-3ECC0592173A}"/>
-    <pc:docChg chg="modSld">
-      <pc:chgData name="MIKE keith" userId="25ab65adf9c03e25" providerId="Windows Live" clId="Web-{554EFBB4-3259-4491-A444-3ECC0592173A}" dt="2020-01-21T18:03:24.383" v="14" actId="20577"/>
-      <pc:docMkLst>
-        <pc:docMk/>
-      </pc:docMkLst>
-      <pc:sldChg chg="modSp">
-        <pc:chgData name="MIKE keith" userId="25ab65adf9c03e25" providerId="Windows Live" clId="Web-{554EFBB4-3259-4491-A444-3ECC0592173A}" dt="2020-01-21T18:03:24.383" v="14" actId="20577"/>
-        <pc:sldMkLst>
-          <pc:docMk/>
-          <pc:sldMk cId="523567894" sldId="267"/>
-        </pc:sldMkLst>
-        <pc:graphicFrameChg chg="modGraphic">
-          <ac:chgData name="MIKE keith" userId="25ab65adf9c03e25" providerId="Windows Live" clId="Web-{554EFBB4-3259-4491-A444-3ECC0592173A}" dt="2020-01-21T18:03:24.383" v="14" actId="20577"/>
-          <ac:graphicFrameMkLst>
-            <pc:docMk/>
-            <pc:sldMk cId="523567894" sldId="267"/>
-            <ac:graphicFrameMk id="5" creationId="{3DD9A21E-52EC-43B1-84F0-BFA136A17059}"/>
-          </ac:graphicFrameMkLst>
-        </pc:graphicFrameChg>
-      </pc:sldChg>
-    </pc:docChg>
-  </pc:docChgLst>
-  <pc:docChgLst>
     <pc:chgData name="MIKE keith" userId="25ab65adf9c03e25" providerId="Windows Live" clId="Web-{E4A1C30B-214F-4D3D-897D-1D58B5DC86AE}"/>
     <pc:docChg chg="modSld">
       <pc:chgData name="MIKE keith" userId="25ab65adf9c03e25" providerId="Windows Live" clId="Web-{E4A1C30B-214F-4D3D-897D-1D58B5DC86AE}" dt="2020-01-21T17:46:34.849" v="215" actId="20577"/>
@@ -2016,30 +2040,6 @@
             <pc:docMk/>
             <pc:sldMk cId="3467936325" sldId="278"/>
             <ac:graphicFrameMk id="5" creationId="{730C73C2-86C0-478F-94F9-ECA4D26ED55B}"/>
-          </ac:graphicFrameMkLst>
-        </pc:graphicFrameChg>
-      </pc:sldChg>
-    </pc:docChg>
-  </pc:docChgLst>
-  <pc:docChgLst>
-    <pc:chgData name="MIKE keith" userId="25ab65adf9c03e25" providerId="LiveId" clId="{AFF7F296-3AC8-409A-9071-8C3A0CA9FE95}"/>
-    <pc:docChg chg="modSld sldOrd">
-      <pc:chgData name="MIKE keith" userId="25ab65adf9c03e25" providerId="LiveId" clId="{AFF7F296-3AC8-409A-9071-8C3A0CA9FE95}" dt="2021-01-18T01:21:12.810" v="293" actId="114"/>
-      <pc:docMkLst>
-        <pc:docMk/>
-      </pc:docMkLst>
-      <pc:sldChg chg="modSp ord">
-        <pc:chgData name="MIKE keith" userId="25ab65adf9c03e25" providerId="LiveId" clId="{AFF7F296-3AC8-409A-9071-8C3A0CA9FE95}" dt="2021-01-18T01:21:12.810" v="293" actId="114"/>
-        <pc:sldMkLst>
-          <pc:docMk/>
-          <pc:sldMk cId="1396768436" sldId="271"/>
-        </pc:sldMkLst>
-        <pc:graphicFrameChg chg="mod">
-          <ac:chgData name="MIKE keith" userId="25ab65adf9c03e25" providerId="LiveId" clId="{AFF7F296-3AC8-409A-9071-8C3A0CA9FE95}" dt="2021-01-18T01:21:12.810" v="293" actId="114"/>
-          <ac:graphicFrameMkLst>
-            <pc:docMk/>
-            <pc:sldMk cId="1396768436" sldId="271"/>
-            <ac:graphicFrameMk id="34" creationId="{D9C03EDA-3E29-4883-9F1F-5E383084AB12}"/>
           </ac:graphicFrameMkLst>
         </pc:graphicFrameChg>
       </pc:sldChg>
@@ -8786,11 +8786,11 @@
           <a:pPr rtl="0"/>
           <a:r>
             <a:rPr lang="en-US" dirty="0"/>
-            <a:t>Publications: </a:t>
+            <a:t>Recent Publications: </a:t>
           </a:r>
           <a:r>
             <a:rPr lang="en-US" i="1" dirty="0"/>
-            <a:t>Machine Learning with Regression in Python, Scaled Forecasting with Python and R</a:t>
+            <a:t>Machine Learning with Regression in Python, Scaled Forecasting with Python and R, Reinforcement Learning Lock N’ Roll</a:t>
           </a:r>
         </a:p>
       </dgm:t>
@@ -11623,12 +11623,12 @@
         <a:fontRef idx="minor"/>
       </dsp:style>
       <dsp:txBody>
-        <a:bodyPr spcFirstLastPara="0" vert="horz" wrap="square" lIns="95250" tIns="95250" rIns="95250" bIns="95250" numCol="1" spcCol="1270" anchor="t" anchorCtr="0">
+        <a:bodyPr spcFirstLastPara="0" vert="horz" wrap="square" lIns="76200" tIns="76200" rIns="76200" bIns="76200" numCol="1" spcCol="1270" anchor="t" anchorCtr="0">
           <a:noAutofit/>
         </a:bodyPr>
         <a:lstStyle/>
         <a:p>
-          <a:pPr marL="0" lvl="0" indent="0" algn="l" defTabSz="1111250">
+          <a:pPr marL="0" lvl="0" indent="0" algn="l" defTabSz="889000">
             <a:lnSpc>
               <a:spcPct val="90000"/>
             </a:lnSpc>
@@ -11641,7 +11641,7 @@
             <a:buNone/>
           </a:pPr>
           <a:r>
-            <a:rPr lang="en-US" sz="2500" kern="1200" dirty="0"/>
+            <a:rPr lang="en-US" sz="2000" kern="1200" dirty="0"/>
             <a:t>Graduated from the FSU MSAE program in 2018</a:t>
           </a:r>
         </a:p>
@@ -11733,12 +11733,12 @@
         <a:fontRef idx="minor"/>
       </dsp:style>
       <dsp:txBody>
-        <a:bodyPr spcFirstLastPara="0" vert="horz" wrap="square" lIns="95250" tIns="95250" rIns="95250" bIns="95250" numCol="1" spcCol="1270" anchor="t" anchorCtr="0">
+        <a:bodyPr spcFirstLastPara="0" vert="horz" wrap="square" lIns="76200" tIns="76200" rIns="76200" bIns="76200" numCol="1" spcCol="1270" anchor="t" anchorCtr="0">
           <a:noAutofit/>
         </a:bodyPr>
         <a:lstStyle/>
         <a:p>
-          <a:pPr marL="0" lvl="0" indent="0" algn="l" defTabSz="1111250">
+          <a:pPr marL="0" lvl="0" indent="0" algn="l" defTabSz="889000">
             <a:lnSpc>
               <a:spcPct val="90000"/>
             </a:lnSpc>
@@ -11751,7 +11751,7 @@
             <a:buNone/>
           </a:pPr>
           <a:r>
-            <a:rPr lang="en-US" sz="2500" kern="1200" dirty="0"/>
+            <a:rPr lang="en-US" sz="2000" kern="1200" dirty="0"/>
             <a:t>Data Scientist for the Utah Department of Health</a:t>
           </a:r>
         </a:p>
@@ -11843,12 +11843,12 @@
         <a:fontRef idx="minor"/>
       </dsp:style>
       <dsp:txBody>
-        <a:bodyPr spcFirstLastPara="0" vert="horz" wrap="square" lIns="95250" tIns="95250" rIns="95250" bIns="95250" numCol="1" spcCol="1270" anchor="t" anchorCtr="0">
+        <a:bodyPr spcFirstLastPara="0" vert="horz" wrap="square" lIns="76200" tIns="76200" rIns="76200" bIns="76200" numCol="1" spcCol="1270" anchor="t" anchorCtr="0">
           <a:noAutofit/>
         </a:bodyPr>
         <a:lstStyle/>
         <a:p>
-          <a:pPr marL="0" lvl="0" indent="0" algn="l" defTabSz="1111250" rtl="0">
+          <a:pPr marL="0" lvl="0" indent="0" algn="l" defTabSz="889000" rtl="0">
             <a:lnSpc>
               <a:spcPct val="90000"/>
             </a:lnSpc>
@@ -11861,12 +11861,12 @@
             <a:buNone/>
           </a:pPr>
           <a:r>
-            <a:rPr lang="en-US" sz="2500" kern="1200" dirty="0"/>
-            <a:t>Publications: </a:t>
+            <a:rPr lang="en-US" sz="2000" kern="1200" dirty="0"/>
+            <a:t>Recent Publications: </a:t>
           </a:r>
           <a:r>
-            <a:rPr lang="en-US" sz="2500" i="1" kern="1200" dirty="0"/>
-            <a:t>Machine Learning with Regression in Python, Scaled Forecasting with Python and R</a:t>
+            <a:rPr lang="en-US" sz="2000" i="1" kern="1200" dirty="0"/>
+            <a:t>Machine Learning with Regression in Python, Scaled Forecasting with Python and R, Reinforcement Learning Lock N’ Roll</a:t>
           </a:r>
         </a:p>
       </dsp:txBody>
@@ -11957,12 +11957,12 @@
         <a:fontRef idx="minor"/>
       </dsp:style>
       <dsp:txBody>
-        <a:bodyPr spcFirstLastPara="0" vert="horz" wrap="square" lIns="95250" tIns="95250" rIns="95250" bIns="95250" numCol="1" spcCol="1270" anchor="t" anchorCtr="0">
+        <a:bodyPr spcFirstLastPara="0" vert="horz" wrap="square" lIns="76200" tIns="76200" rIns="76200" bIns="76200" numCol="1" spcCol="1270" anchor="t" anchorCtr="0">
           <a:noAutofit/>
         </a:bodyPr>
         <a:lstStyle/>
         <a:p>
-          <a:pPr marL="0" lvl="0" indent="0" algn="l" defTabSz="1111250">
+          <a:pPr marL="0" lvl="0" indent="0" algn="l" defTabSz="889000">
             <a:lnSpc>
               <a:spcPct val="90000"/>
             </a:lnSpc>
@@ -11975,7 +11975,7 @@
             <a:buNone/>
           </a:pPr>
           <a:r>
-            <a:rPr lang="en-US" sz="2500" kern="1200" dirty="0"/>
+            <a:rPr lang="en-US" sz="2000" kern="1200" dirty="0"/>
             <a:t>Previously employed by Disney and Mather Economics</a:t>
           </a:r>
         </a:p>
@@ -12067,12 +12067,12 @@
         <a:fontRef idx="minor"/>
       </dsp:style>
       <dsp:txBody>
-        <a:bodyPr spcFirstLastPara="0" vert="horz" wrap="square" lIns="95250" tIns="95250" rIns="95250" bIns="95250" numCol="1" spcCol="1270" anchor="t" anchorCtr="0">
+        <a:bodyPr spcFirstLastPara="0" vert="horz" wrap="square" lIns="76200" tIns="76200" rIns="76200" bIns="76200" numCol="1" spcCol="1270" anchor="t" anchorCtr="0">
           <a:noAutofit/>
         </a:bodyPr>
         <a:lstStyle/>
         <a:p>
-          <a:pPr marL="0" lvl="0" indent="0" algn="l" defTabSz="1111250">
+          <a:pPr marL="0" lvl="0" indent="0" algn="l" defTabSz="889000">
             <a:lnSpc>
               <a:spcPct val="90000"/>
             </a:lnSpc>
@@ -12085,16 +12085,16 @@
             <a:buNone/>
           </a:pPr>
           <a:r>
-            <a:rPr lang="en-US" sz="2500" kern="1200" dirty="0"/>
+            <a:rPr lang="en-US" sz="2000" kern="1200" dirty="0"/>
             <a:t>LinkedIn: </a:t>
           </a:r>
           <a:r>
-            <a:rPr lang="en-US" sz="2500" kern="1200" dirty="0">
+            <a:rPr lang="en-US" sz="2000" kern="1200" dirty="0">
               <a:hlinkClick xmlns:r="http://schemas.openxmlformats.org/officeDocument/2006/relationships" r:id="rId1"/>
             </a:rPr>
             <a:t>https://www.linkedin.com/in/michaelwkeith/</a:t>
           </a:r>
-          <a:endParaRPr lang="en-US" sz="2500" kern="1200" dirty="0"/>
+          <a:endParaRPr lang="en-US" sz="2000" kern="1200" dirty="0"/>
         </a:p>
       </dsp:txBody>
       <dsp:txXfrm>
@@ -26273,7 +26273,7 @@
           <a:p>
             <a:fld id="{272AB1B3-C78C-4E65-B03F-8A34897D3565}" type="datetimeFigureOut">
               <a:rPr lang="en-US" smtClean="0"/>
-              <a:t>1/17/2021</a:t>
+              <a:t>2/10/2021</a:t>
             </a:fld>
             <a:endParaRPr lang="en-US"/>
           </a:p>
@@ -26471,7 +26471,7 @@
           <a:p>
             <a:fld id="{272AB1B3-C78C-4E65-B03F-8A34897D3565}" type="datetimeFigureOut">
               <a:rPr lang="en-US" smtClean="0"/>
-              <a:t>1/17/2021</a:t>
+              <a:t>2/10/2021</a:t>
             </a:fld>
             <a:endParaRPr lang="en-US"/>
           </a:p>
@@ -26679,7 +26679,7 @@
           <a:p>
             <a:fld id="{272AB1B3-C78C-4E65-B03F-8A34897D3565}" type="datetimeFigureOut">
               <a:rPr lang="en-US" smtClean="0"/>
-              <a:t>1/17/2021</a:t>
+              <a:t>2/10/2021</a:t>
             </a:fld>
             <a:endParaRPr lang="en-US"/>
           </a:p>
@@ -26877,7 +26877,7 @@
           <a:p>
             <a:fld id="{272AB1B3-C78C-4E65-B03F-8A34897D3565}" type="datetimeFigureOut">
               <a:rPr lang="en-US" smtClean="0"/>
-              <a:t>1/17/2021</a:t>
+              <a:t>2/10/2021</a:t>
             </a:fld>
             <a:endParaRPr lang="en-US"/>
           </a:p>
@@ -27152,7 +27152,7 @@
           <a:p>
             <a:fld id="{272AB1B3-C78C-4E65-B03F-8A34897D3565}" type="datetimeFigureOut">
               <a:rPr lang="en-US" smtClean="0"/>
-              <a:t>1/17/2021</a:t>
+              <a:t>2/10/2021</a:t>
             </a:fld>
             <a:endParaRPr lang="en-US"/>
           </a:p>
@@ -27417,7 +27417,7 @@
           <a:p>
             <a:fld id="{272AB1B3-C78C-4E65-B03F-8A34897D3565}" type="datetimeFigureOut">
               <a:rPr lang="en-US" smtClean="0"/>
-              <a:t>1/17/2021</a:t>
+              <a:t>2/10/2021</a:t>
             </a:fld>
             <a:endParaRPr lang="en-US"/>
           </a:p>
@@ -27829,7 +27829,7 @@
           <a:p>
             <a:fld id="{272AB1B3-C78C-4E65-B03F-8A34897D3565}" type="datetimeFigureOut">
               <a:rPr lang="en-US" smtClean="0"/>
-              <a:t>1/17/2021</a:t>
+              <a:t>2/10/2021</a:t>
             </a:fld>
             <a:endParaRPr lang="en-US"/>
           </a:p>
@@ -27970,7 +27970,7 @@
           <a:p>
             <a:fld id="{272AB1B3-C78C-4E65-B03F-8A34897D3565}" type="datetimeFigureOut">
               <a:rPr lang="en-US" smtClean="0"/>
-              <a:t>1/17/2021</a:t>
+              <a:t>2/10/2021</a:t>
             </a:fld>
             <a:endParaRPr lang="en-US"/>
           </a:p>
@@ -28083,7 +28083,7 @@
           <a:p>
             <a:fld id="{272AB1B3-C78C-4E65-B03F-8A34897D3565}" type="datetimeFigureOut">
               <a:rPr lang="en-US" smtClean="0"/>
-              <a:t>1/17/2021</a:t>
+              <a:t>2/10/2021</a:t>
             </a:fld>
             <a:endParaRPr lang="en-US"/>
           </a:p>
@@ -28394,7 +28394,7 @@
           <a:p>
             <a:fld id="{272AB1B3-C78C-4E65-B03F-8A34897D3565}" type="datetimeFigureOut">
               <a:rPr lang="en-US" smtClean="0"/>
-              <a:t>1/17/2021</a:t>
+              <a:t>2/10/2021</a:t>
             </a:fld>
             <a:endParaRPr lang="en-US"/>
           </a:p>
@@ -28682,7 +28682,7 @@
           <a:p>
             <a:fld id="{272AB1B3-C78C-4E65-B03F-8A34897D3565}" type="datetimeFigureOut">
               <a:rPr lang="en-US" smtClean="0"/>
-              <a:t>1/17/2021</a:t>
+              <a:t>2/10/2021</a:t>
             </a:fld>
             <a:endParaRPr lang="en-US"/>
           </a:p>
@@ -28923,7 +28923,7 @@
           <a:p>
             <a:fld id="{272AB1B3-C78C-4E65-B03F-8A34897D3565}" type="datetimeFigureOut">
               <a:rPr lang="en-US" smtClean="0"/>
-              <a:t>1/17/2021</a:t>
+              <a:t>2/10/2021</a:t>
             </a:fld>
             <a:endParaRPr lang="en-US"/>
           </a:p>
@@ -29997,7 +29997,7 @@
             <p:ph idx="1"/>
             <p:extLst>
               <p:ext uri="{D42A27DB-BD31-4B8C-83A1-F6EECF244321}">
-                <p14:modId xmlns:p14="http://schemas.microsoft.com/office/powerpoint/2010/main" val="1696067076"/>
+                <p14:modId xmlns:p14="http://schemas.microsoft.com/office/powerpoint/2010/main" val="4288876321"/>
               </p:ext>
             </p:extLst>
           </p:nvPr>

--- a/SQL.pptx
+++ b/SQL.pptx
@@ -6,22 +6,23 @@
   </p:sldMasterIdLst>
   <p:sldIdLst>
     <p:sldId id="271" r:id="rId2"/>
-    <p:sldId id="256" r:id="rId3"/>
-    <p:sldId id="257" r:id="rId4"/>
-    <p:sldId id="266" r:id="rId5"/>
-    <p:sldId id="265" r:id="rId6"/>
-    <p:sldId id="267" r:id="rId7"/>
-    <p:sldId id="268" r:id="rId8"/>
-    <p:sldId id="269" r:id="rId9"/>
-    <p:sldId id="270" r:id="rId10"/>
-    <p:sldId id="263" r:id="rId11"/>
-    <p:sldId id="272" r:id="rId12"/>
-    <p:sldId id="273" r:id="rId13"/>
-    <p:sldId id="274" r:id="rId14"/>
-    <p:sldId id="276" r:id="rId15"/>
-    <p:sldId id="275" r:id="rId16"/>
-    <p:sldId id="278" r:id="rId17"/>
-    <p:sldId id="277" r:id="rId18"/>
+    <p:sldId id="279" r:id="rId3"/>
+    <p:sldId id="256" r:id="rId4"/>
+    <p:sldId id="257" r:id="rId5"/>
+    <p:sldId id="266" r:id="rId6"/>
+    <p:sldId id="265" r:id="rId7"/>
+    <p:sldId id="267" r:id="rId8"/>
+    <p:sldId id="268" r:id="rId9"/>
+    <p:sldId id="269" r:id="rId10"/>
+    <p:sldId id="270" r:id="rId11"/>
+    <p:sldId id="263" r:id="rId12"/>
+    <p:sldId id="272" r:id="rId13"/>
+    <p:sldId id="273" r:id="rId14"/>
+    <p:sldId id="274" r:id="rId15"/>
+    <p:sldId id="276" r:id="rId16"/>
+    <p:sldId id="275" r:id="rId17"/>
+    <p:sldId id="278" r:id="rId18"/>
+    <p:sldId id="277" r:id="rId19"/>
   </p:sldIdLst>
   <p:sldSz cx="12192000" cy="6858000"/>
   <p:notesSz cx="6858000" cy="9144000"/>
@@ -239,24 +240,24 @@
     </pc:docChg>
   </pc:docChgLst>
   <pc:docChgLst>
-    <pc:chgData name="MIKE keith" userId="25ab65adf9c03e25" providerId="Windows Live" clId="Web-{554EFBB4-3259-4491-A444-3ECC0592173A}"/>
+    <pc:chgData name="MIKE keith" userId="25ab65adf9c03e25" providerId="Windows Live" clId="Web-{A5FDD66F-BC1C-4D7A-9C7D-66DD30AEE87A}"/>
     <pc:docChg chg="modSld">
-      <pc:chgData name="MIKE keith" userId="25ab65adf9c03e25" providerId="Windows Live" clId="Web-{554EFBB4-3259-4491-A444-3ECC0592173A}" dt="2020-01-21T18:03:24.383" v="14" actId="20577"/>
+      <pc:chgData name="MIKE keith" userId="25ab65adf9c03e25" providerId="Windows Live" clId="Web-{A5FDD66F-BC1C-4D7A-9C7D-66DD30AEE87A}" dt="2020-01-23T13:31:19.521" v="8" actId="20577"/>
       <pc:docMkLst>
         <pc:docMk/>
       </pc:docMkLst>
       <pc:sldChg chg="modSp">
-        <pc:chgData name="MIKE keith" userId="25ab65adf9c03e25" providerId="Windows Live" clId="Web-{554EFBB4-3259-4491-A444-3ECC0592173A}" dt="2020-01-21T18:03:24.383" v="14" actId="20577"/>
+        <pc:chgData name="MIKE keith" userId="25ab65adf9c03e25" providerId="Windows Live" clId="Web-{A5FDD66F-BC1C-4D7A-9C7D-66DD30AEE87A}" dt="2020-01-23T13:31:19.521" v="8" actId="20577"/>
         <pc:sldMkLst>
           <pc:docMk/>
-          <pc:sldMk cId="523567894" sldId="267"/>
+          <pc:sldMk cId="1396768436" sldId="271"/>
         </pc:sldMkLst>
         <pc:graphicFrameChg chg="modGraphic">
-          <ac:chgData name="MIKE keith" userId="25ab65adf9c03e25" providerId="Windows Live" clId="Web-{554EFBB4-3259-4491-A444-3ECC0592173A}" dt="2020-01-21T18:03:24.383" v="14" actId="20577"/>
+          <ac:chgData name="MIKE keith" userId="25ab65adf9c03e25" providerId="Windows Live" clId="Web-{A5FDD66F-BC1C-4D7A-9C7D-66DD30AEE87A}" dt="2020-01-23T13:31:19.521" v="8" actId="20577"/>
           <ac:graphicFrameMkLst>
             <pc:docMk/>
-            <pc:sldMk cId="523567894" sldId="267"/>
-            <ac:graphicFrameMk id="5" creationId="{3DD9A21E-52EC-43B1-84F0-BFA136A17059}"/>
+            <pc:sldMk cId="1396768436" sldId="271"/>
+            <ac:graphicFrameMk id="34" creationId="{D9C03EDA-3E29-4883-9F1F-5E383084AB12}"/>
           </ac:graphicFrameMkLst>
         </pc:graphicFrameChg>
       </pc:sldChg>
@@ -536,24 +537,24 @@
     </pc:docChg>
   </pc:docChgLst>
   <pc:docChgLst>
-    <pc:chgData name="MIKE keith" userId="25ab65adf9c03e25" providerId="Windows Live" clId="Web-{A5FDD66F-BC1C-4D7A-9C7D-66DD30AEE87A}"/>
+    <pc:chgData name="MIKE keith" userId="25ab65adf9c03e25" providerId="Windows Live" clId="Web-{554EFBB4-3259-4491-A444-3ECC0592173A}"/>
     <pc:docChg chg="modSld">
-      <pc:chgData name="MIKE keith" userId="25ab65adf9c03e25" providerId="Windows Live" clId="Web-{A5FDD66F-BC1C-4D7A-9C7D-66DD30AEE87A}" dt="2020-01-23T13:31:19.521" v="8" actId="20577"/>
+      <pc:chgData name="MIKE keith" userId="25ab65adf9c03e25" providerId="Windows Live" clId="Web-{554EFBB4-3259-4491-A444-3ECC0592173A}" dt="2020-01-21T18:03:24.383" v="14" actId="20577"/>
       <pc:docMkLst>
         <pc:docMk/>
       </pc:docMkLst>
       <pc:sldChg chg="modSp">
-        <pc:chgData name="MIKE keith" userId="25ab65adf9c03e25" providerId="Windows Live" clId="Web-{A5FDD66F-BC1C-4D7A-9C7D-66DD30AEE87A}" dt="2020-01-23T13:31:19.521" v="8" actId="20577"/>
+        <pc:chgData name="MIKE keith" userId="25ab65adf9c03e25" providerId="Windows Live" clId="Web-{554EFBB4-3259-4491-A444-3ECC0592173A}" dt="2020-01-21T18:03:24.383" v="14" actId="20577"/>
         <pc:sldMkLst>
           <pc:docMk/>
-          <pc:sldMk cId="1396768436" sldId="271"/>
+          <pc:sldMk cId="523567894" sldId="267"/>
         </pc:sldMkLst>
         <pc:graphicFrameChg chg="modGraphic">
-          <ac:chgData name="MIKE keith" userId="25ab65adf9c03e25" providerId="Windows Live" clId="Web-{A5FDD66F-BC1C-4D7A-9C7D-66DD30AEE87A}" dt="2020-01-23T13:31:19.521" v="8" actId="20577"/>
+          <ac:chgData name="MIKE keith" userId="25ab65adf9c03e25" providerId="Windows Live" clId="Web-{554EFBB4-3259-4491-A444-3ECC0592173A}" dt="2020-01-21T18:03:24.383" v="14" actId="20577"/>
           <ac:graphicFrameMkLst>
             <pc:docMk/>
-            <pc:sldMk cId="1396768436" sldId="271"/>
-            <ac:graphicFrameMk id="34" creationId="{D9C03EDA-3E29-4883-9F1F-5E383084AB12}"/>
+            <pc:sldMk cId="523567894" sldId="267"/>
+            <ac:graphicFrameMk id="5" creationId="{3DD9A21E-52EC-43B1-84F0-BFA136A17059}"/>
           </ac:graphicFrameMkLst>
         </pc:graphicFrameChg>
       </pc:sldChg>
@@ -26273,7 +26274,7 @@
           <a:p>
             <a:fld id="{272AB1B3-C78C-4E65-B03F-8A34897D3565}" type="datetimeFigureOut">
               <a:rPr lang="en-US" smtClean="0"/>
-              <a:t>2/10/2021</a:t>
+              <a:t>2/12/2021</a:t>
             </a:fld>
             <a:endParaRPr lang="en-US"/>
           </a:p>
@@ -26471,7 +26472,7 @@
           <a:p>
             <a:fld id="{272AB1B3-C78C-4E65-B03F-8A34897D3565}" type="datetimeFigureOut">
               <a:rPr lang="en-US" smtClean="0"/>
-              <a:t>2/10/2021</a:t>
+              <a:t>2/12/2021</a:t>
             </a:fld>
             <a:endParaRPr lang="en-US"/>
           </a:p>
@@ -26679,7 +26680,7 @@
           <a:p>
             <a:fld id="{272AB1B3-C78C-4E65-B03F-8A34897D3565}" type="datetimeFigureOut">
               <a:rPr lang="en-US" smtClean="0"/>
-              <a:t>2/10/2021</a:t>
+              <a:t>2/12/2021</a:t>
             </a:fld>
             <a:endParaRPr lang="en-US"/>
           </a:p>
@@ -26877,7 +26878,7 @@
           <a:p>
             <a:fld id="{272AB1B3-C78C-4E65-B03F-8A34897D3565}" type="datetimeFigureOut">
               <a:rPr lang="en-US" smtClean="0"/>
-              <a:t>2/10/2021</a:t>
+              <a:t>2/12/2021</a:t>
             </a:fld>
             <a:endParaRPr lang="en-US"/>
           </a:p>
@@ -27152,7 +27153,7 @@
           <a:p>
             <a:fld id="{272AB1B3-C78C-4E65-B03F-8A34897D3565}" type="datetimeFigureOut">
               <a:rPr lang="en-US" smtClean="0"/>
-              <a:t>2/10/2021</a:t>
+              <a:t>2/12/2021</a:t>
             </a:fld>
             <a:endParaRPr lang="en-US"/>
           </a:p>
@@ -27417,7 +27418,7 @@
           <a:p>
             <a:fld id="{272AB1B3-C78C-4E65-B03F-8A34897D3565}" type="datetimeFigureOut">
               <a:rPr lang="en-US" smtClean="0"/>
-              <a:t>2/10/2021</a:t>
+              <a:t>2/12/2021</a:t>
             </a:fld>
             <a:endParaRPr lang="en-US"/>
           </a:p>
@@ -27829,7 +27830,7 @@
           <a:p>
             <a:fld id="{272AB1B3-C78C-4E65-B03F-8A34897D3565}" type="datetimeFigureOut">
               <a:rPr lang="en-US" smtClean="0"/>
-              <a:t>2/10/2021</a:t>
+              <a:t>2/12/2021</a:t>
             </a:fld>
             <a:endParaRPr lang="en-US"/>
           </a:p>
@@ -27970,7 +27971,7 @@
           <a:p>
             <a:fld id="{272AB1B3-C78C-4E65-B03F-8A34897D3565}" type="datetimeFigureOut">
               <a:rPr lang="en-US" smtClean="0"/>
-              <a:t>2/10/2021</a:t>
+              <a:t>2/12/2021</a:t>
             </a:fld>
             <a:endParaRPr lang="en-US"/>
           </a:p>
@@ -28083,7 +28084,7 @@
           <a:p>
             <a:fld id="{272AB1B3-C78C-4E65-B03F-8A34897D3565}" type="datetimeFigureOut">
               <a:rPr lang="en-US" smtClean="0"/>
-              <a:t>2/10/2021</a:t>
+              <a:t>2/12/2021</a:t>
             </a:fld>
             <a:endParaRPr lang="en-US"/>
           </a:p>
@@ -28394,7 +28395,7 @@
           <a:p>
             <a:fld id="{272AB1B3-C78C-4E65-B03F-8A34897D3565}" type="datetimeFigureOut">
               <a:rPr lang="en-US" smtClean="0"/>
-              <a:t>2/10/2021</a:t>
+              <a:t>2/12/2021</a:t>
             </a:fld>
             <a:endParaRPr lang="en-US"/>
           </a:p>
@@ -28682,7 +28683,7 @@
           <a:p>
             <a:fld id="{272AB1B3-C78C-4E65-B03F-8A34897D3565}" type="datetimeFigureOut">
               <a:rPr lang="en-US" smtClean="0"/>
-              <a:t>2/10/2021</a:t>
+              <a:t>2/12/2021</a:t>
             </a:fld>
             <a:endParaRPr lang="en-US"/>
           </a:p>
@@ -28923,7 +28924,7 @@
           <a:p>
             <a:fld id="{272AB1B3-C78C-4E65-B03F-8A34897D3565}" type="datetimeFigureOut">
               <a:rPr lang="en-US" smtClean="0"/>
-              <a:t>2/10/2021</a:t>
+              <a:t>2/12/2021</a:t>
             </a:fld>
             <a:endParaRPr lang="en-US"/>
           </a:p>
@@ -30052,6 +30053,558 @@
       </p:grpSpPr>
       <p:sp>
         <p:nvSpPr>
+          <p:cNvPr id="9" name="Rectangle 8">
+            <a:extLst>
+              <a:ext uri="{FF2B5EF4-FFF2-40B4-BE49-F238E27FC236}">
+                <a16:creationId xmlns:a16="http://schemas.microsoft.com/office/drawing/2014/main" id="{8D70B121-56F4-4848-B38B-182089D909FA}"/>
+              </a:ext>
+              <a:ext uri="{C183D7F6-B498-43B3-948B-1728B52AA6E4}">
+                <adec:decorative xmlns:adec="http://schemas.microsoft.com/office/drawing/2017/decorative" val="1"/>
+              </a:ext>
+            </a:extLst>
+          </p:cNvPr>
+          <p:cNvSpPr>
+            <a:spLocks noGrp="1" noRot="1" noChangeAspect="1" noMove="1" noResize="1" noEditPoints="1" noAdjustHandles="1" noChangeArrowheads="1" noChangeShapeType="1" noTextEdit="1"/>
+          </p:cNvSpPr>
+          <p:nvPr>
+            <p:extLst>
+              <p:ext uri="{386F3935-93C4-4BCD-93E2-E3B085C9AB24}">
+                <p16:designElem xmlns:p16="http://schemas.microsoft.com/office/powerpoint/2015/main" val="1"/>
+              </p:ext>
+            </p:extLst>
+          </p:nvPr>
+        </p:nvSpPr>
+        <p:spPr bwMode="ltGray">
+          <a:xfrm>
+            <a:off x="321564" y="320040"/>
+            <a:ext cx="11548872" cy="6217920"/>
+          </a:xfrm>
+          <a:prstGeom prst="rect">
+            <a:avLst/>
+          </a:prstGeom>
+          <a:solidFill>
+            <a:schemeClr val="tx1">
+              <a:alpha val="8000"/>
+            </a:schemeClr>
+          </a:solidFill>
+          <a:ln w="127000" cap="sq" cmpd="thinThick">
+            <a:noFill/>
+          </a:ln>
+        </p:spPr>
+        <p:style>
+          <a:lnRef idx="2">
+            <a:schemeClr val="accent1">
+              <a:shade val="50000"/>
+            </a:schemeClr>
+          </a:lnRef>
+          <a:fillRef idx="1">
+            <a:schemeClr val="accent1"/>
+          </a:fillRef>
+          <a:effectRef idx="0">
+            <a:schemeClr val="accent1"/>
+          </a:effectRef>
+          <a:fontRef idx="minor">
+            <a:schemeClr val="lt1"/>
+          </a:fontRef>
+        </p:style>
+        <p:txBody>
+          <a:bodyPr rtlCol="0" anchor="ctr"/>
+          <a:lstStyle/>
+          <a:p>
+            <a:pPr algn="ctr"/>
+            <a:endParaRPr lang="en-US"/>
+          </a:p>
+        </p:txBody>
+      </p:sp>
+      <p:sp>
+        <p:nvSpPr>
+          <p:cNvPr id="2" name="Title 1">
+            <a:extLst>
+              <a:ext uri="{FF2B5EF4-FFF2-40B4-BE49-F238E27FC236}">
+                <a16:creationId xmlns:a16="http://schemas.microsoft.com/office/drawing/2014/main" id="{F704E35C-D224-45AC-847B-26AB97AA354A}"/>
+              </a:ext>
+            </a:extLst>
+          </p:cNvPr>
+          <p:cNvSpPr>
+            <a:spLocks noGrp="1"/>
+          </p:cNvSpPr>
+          <p:nvPr>
+            <p:ph type="title"/>
+          </p:nvPr>
+        </p:nvSpPr>
+        <p:spPr>
+          <a:xfrm>
+            <a:off x="838200" y="963877"/>
+            <a:ext cx="3494362" cy="4930246"/>
+          </a:xfrm>
+        </p:spPr>
+        <p:txBody>
+          <a:bodyPr>
+            <a:normAutofit/>
+          </a:bodyPr>
+          <a:lstStyle/>
+          <a:p>
+            <a:pPr algn="r"/>
+            <a:r>
+              <a:rPr lang="en-US" dirty="0">
+                <a:solidFill>
+                  <a:schemeClr val="accent1"/>
+                </a:solidFill>
+              </a:rPr>
+              <a:t>If you want to follow along:</a:t>
+            </a:r>
+          </a:p>
+        </p:txBody>
+      </p:sp>
+      <p:cxnSp>
+        <p:nvCxnSpPr>
+          <p:cNvPr id="16" name="Straight Connector 10">
+            <a:extLst>
+              <a:ext uri="{FF2B5EF4-FFF2-40B4-BE49-F238E27FC236}">
+                <a16:creationId xmlns:a16="http://schemas.microsoft.com/office/drawing/2014/main" id="{2D72A2C9-F3CA-4216-8BAD-FA4C970C3C4E}"/>
+              </a:ext>
+              <a:ext uri="{C183D7F6-B498-43B3-948B-1728B52AA6E4}">
+                <adec:decorative xmlns:adec="http://schemas.microsoft.com/office/drawing/2017/decorative" val="1"/>
+              </a:ext>
+            </a:extLst>
+          </p:cNvPr>
+          <p:cNvCxnSpPr>
+            <a:cxnSpLocks noGrp="1" noRot="1" noChangeAspect="1" noMove="1" noResize="1" noEditPoints="1" noAdjustHandles="1" noChangeArrowheads="1" noChangeShapeType="1"/>
+          </p:cNvCxnSpPr>
+          <p:nvPr>
+            <p:extLst>
+              <p:ext uri="{386F3935-93C4-4BCD-93E2-E3B085C9AB24}">
+                <p16:designElem xmlns:p16="http://schemas.microsoft.com/office/powerpoint/2015/main" val="1"/>
+              </p:ext>
+            </p:extLst>
+          </p:nvPr>
+        </p:nvCxnSpPr>
+        <p:spPr>
+          <a:xfrm>
+            <a:off x="4654296" y="2057400"/>
+            <a:ext cx="0" cy="2743200"/>
+          </a:xfrm>
+          <a:prstGeom prst="line">
+            <a:avLst/>
+          </a:prstGeom>
+          <a:ln w="19050">
+            <a:solidFill>
+              <a:schemeClr val="tx1">
+                <a:lumMod val="85000"/>
+                <a:lumOff val="15000"/>
+              </a:schemeClr>
+            </a:solidFill>
+          </a:ln>
+        </p:spPr>
+        <p:style>
+          <a:lnRef idx="1">
+            <a:schemeClr val="accent1"/>
+          </a:lnRef>
+          <a:fillRef idx="0">
+            <a:schemeClr val="accent1"/>
+          </a:fillRef>
+          <a:effectRef idx="0">
+            <a:schemeClr val="accent1"/>
+          </a:effectRef>
+          <a:fontRef idx="minor">
+            <a:schemeClr val="tx1"/>
+          </a:fontRef>
+        </p:style>
+      </p:cxnSp>
+      <p:sp>
+        <p:nvSpPr>
+          <p:cNvPr id="17" name="Rectangle 1">
+            <a:extLst>
+              <a:ext uri="{FF2B5EF4-FFF2-40B4-BE49-F238E27FC236}">
+                <a16:creationId xmlns:a16="http://schemas.microsoft.com/office/drawing/2014/main" id="{85D3DF81-FFD5-48DA-BC27-44050197EFC6}"/>
+              </a:ext>
+            </a:extLst>
+          </p:cNvPr>
+          <p:cNvSpPr>
+            <a:spLocks noGrp="1" noChangeArrowheads="1"/>
+          </p:cNvSpPr>
+          <p:nvPr>
+            <p:ph idx="1"/>
+          </p:nvPr>
+        </p:nvSpPr>
+        <p:spPr bwMode="auto">
+          <a:xfrm>
+            <a:off x="4976031" y="963877"/>
+            <a:ext cx="6377769" cy="4930246"/>
+          </a:xfrm>
+          <a:prstGeom prst="rect">
+            <a:avLst/>
+          </a:prstGeom>
+          <a:extLst>
+            <a:ext uri="{91240B29-F687-4F45-9708-019B960494DF}">
+              <a14:hiddenLine xmlns:a14="http://schemas.microsoft.com/office/drawing/2010/main" w="9525">
+                <a:solidFill>
+                  <a:schemeClr val="tx1"/>
+                </a:solidFill>
+                <a:miter lim="800000"/>
+                <a:headEnd/>
+                <a:tailEnd/>
+              </a14:hiddenLine>
+            </a:ext>
+            <a:ext uri="{AF507438-7753-43E0-B8FC-AC1667EBCBE1}">
+              <a14:hiddenEffects xmlns:a14="http://schemas.microsoft.com/office/drawing/2010/main">
+                <a:effectLst>
+                  <a:outerShdw dist="35921" dir="2700000" algn="ctr" rotWithShape="0">
+                    <a:schemeClr val="bg2"/>
+                  </a:outerShdw>
+                </a:effectLst>
+              </a14:hiddenEffects>
+            </a:ext>
+          </a:extLst>
+        </p:spPr>
+        <p:txBody>
+          <a:bodyPr vert="horz" lIns="91440" tIns="45720" rIns="91440" bIns="45720" numCol="1" anchor="ctr" anchorCtr="0" compatLnSpc="1">
+            <a:prstTxWarp prst="textNoShape">
+              <a:avLst/>
+            </a:prstTxWarp>
+            <a:normAutofit/>
+          </a:bodyPr>
+          <a:lstStyle>
+            <a:lvl1pPr eaLnBrk="0" fontAlgn="base" hangingPunct="0">
+              <a:spcBef>
+                <a:spcPct val="0"/>
+              </a:spcBef>
+              <a:spcAft>
+                <a:spcPct val="0"/>
+              </a:spcAft>
+              <a:defRPr>
+                <a:solidFill>
+                  <a:schemeClr val="tx1"/>
+                </a:solidFill>
+                <a:latin typeface="Arial" panose="020B0604020202020204" pitchFamily="34" charset="0"/>
+              </a:defRPr>
+            </a:lvl1pPr>
+            <a:lvl2pPr eaLnBrk="0" fontAlgn="base" hangingPunct="0">
+              <a:spcBef>
+                <a:spcPct val="0"/>
+              </a:spcBef>
+              <a:spcAft>
+                <a:spcPct val="0"/>
+              </a:spcAft>
+              <a:defRPr>
+                <a:solidFill>
+                  <a:schemeClr val="tx1"/>
+                </a:solidFill>
+                <a:latin typeface="Arial" panose="020B0604020202020204" pitchFamily="34" charset="0"/>
+              </a:defRPr>
+            </a:lvl2pPr>
+            <a:lvl3pPr eaLnBrk="0" fontAlgn="base" hangingPunct="0">
+              <a:spcBef>
+                <a:spcPct val="0"/>
+              </a:spcBef>
+              <a:spcAft>
+                <a:spcPct val="0"/>
+              </a:spcAft>
+              <a:defRPr>
+                <a:solidFill>
+                  <a:schemeClr val="tx1"/>
+                </a:solidFill>
+                <a:latin typeface="Arial" panose="020B0604020202020204" pitchFamily="34" charset="0"/>
+              </a:defRPr>
+            </a:lvl3pPr>
+            <a:lvl4pPr eaLnBrk="0" fontAlgn="base" hangingPunct="0">
+              <a:spcBef>
+                <a:spcPct val="0"/>
+              </a:spcBef>
+              <a:spcAft>
+                <a:spcPct val="0"/>
+              </a:spcAft>
+              <a:defRPr>
+                <a:solidFill>
+                  <a:schemeClr val="tx1"/>
+                </a:solidFill>
+                <a:latin typeface="Arial" panose="020B0604020202020204" pitchFamily="34" charset="0"/>
+              </a:defRPr>
+            </a:lvl4pPr>
+            <a:lvl5pPr eaLnBrk="0" fontAlgn="base" hangingPunct="0">
+              <a:spcBef>
+                <a:spcPct val="0"/>
+              </a:spcBef>
+              <a:spcAft>
+                <a:spcPct val="0"/>
+              </a:spcAft>
+              <a:defRPr>
+                <a:solidFill>
+                  <a:schemeClr val="tx1"/>
+                </a:solidFill>
+                <a:latin typeface="Arial" panose="020B0604020202020204" pitchFamily="34" charset="0"/>
+              </a:defRPr>
+            </a:lvl5pPr>
+            <a:lvl6pPr eaLnBrk="0" fontAlgn="base" hangingPunct="0">
+              <a:spcBef>
+                <a:spcPct val="0"/>
+              </a:spcBef>
+              <a:spcAft>
+                <a:spcPct val="0"/>
+              </a:spcAft>
+              <a:defRPr>
+                <a:solidFill>
+                  <a:schemeClr val="tx1"/>
+                </a:solidFill>
+                <a:latin typeface="Arial" panose="020B0604020202020204" pitchFamily="34" charset="0"/>
+              </a:defRPr>
+            </a:lvl6pPr>
+            <a:lvl7pPr eaLnBrk="0" fontAlgn="base" hangingPunct="0">
+              <a:spcBef>
+                <a:spcPct val="0"/>
+              </a:spcBef>
+              <a:spcAft>
+                <a:spcPct val="0"/>
+              </a:spcAft>
+              <a:defRPr>
+                <a:solidFill>
+                  <a:schemeClr val="tx1"/>
+                </a:solidFill>
+                <a:latin typeface="Arial" panose="020B0604020202020204" pitchFamily="34" charset="0"/>
+              </a:defRPr>
+            </a:lvl7pPr>
+            <a:lvl8pPr eaLnBrk="0" fontAlgn="base" hangingPunct="0">
+              <a:spcBef>
+                <a:spcPct val="0"/>
+              </a:spcBef>
+              <a:spcAft>
+                <a:spcPct val="0"/>
+              </a:spcAft>
+              <a:defRPr>
+                <a:solidFill>
+                  <a:schemeClr val="tx1"/>
+                </a:solidFill>
+                <a:latin typeface="Arial" panose="020B0604020202020204" pitchFamily="34" charset="0"/>
+              </a:defRPr>
+            </a:lvl8pPr>
+            <a:lvl9pPr eaLnBrk="0" fontAlgn="base" hangingPunct="0">
+              <a:spcBef>
+                <a:spcPct val="0"/>
+              </a:spcBef>
+              <a:spcAft>
+                <a:spcPct val="0"/>
+              </a:spcAft>
+              <a:defRPr>
+                <a:solidFill>
+                  <a:schemeClr val="tx1"/>
+                </a:solidFill>
+                <a:latin typeface="Arial" panose="020B0604020202020204" pitchFamily="34" charset="0"/>
+              </a:defRPr>
+            </a:lvl9pPr>
+          </a:lstStyle>
+          <a:p>
+            <a:pPr marL="0" marR="0" lvl="0" indent="0" defTabSz="914400" rtl="0" eaLnBrk="0" fontAlgn="base" latinLnBrk="0" hangingPunct="0">
+              <a:spcBef>
+                <a:spcPct val="0"/>
+              </a:spcBef>
+              <a:spcAft>
+                <a:spcPts val="600"/>
+              </a:spcAft>
+              <a:buClrTx/>
+              <a:buSzTx/>
+              <a:buFontTx/>
+              <a:buNone/>
+              <a:tabLst/>
+            </a:pPr>
+            <a:r>
+              <a:rPr kumimoji="0" lang="en-US" altLang="en-US" sz="2400" b="0" i="0" u="none" strike="noStrike" cap="none" normalizeH="0" baseline="0" dirty="0">
+                <a:ln>
+                  <a:noFill/>
+                </a:ln>
+                <a:effectLst/>
+                <a:latin typeface="Arial" panose="020B0604020202020204" pitchFamily="34" charset="0"/>
+                <a:cs typeface="Arial" panose="020B0604020202020204" pitchFamily="34" charset="0"/>
+              </a:rPr>
+              <a:t>1. Navigate to </a:t>
+            </a:r>
+            <a:r>
+              <a:rPr kumimoji="0" lang="en-US" altLang="en-US" sz="2400" b="0" i="0" u="none" strike="noStrike" cap="none" normalizeH="0" baseline="0" dirty="0">
+                <a:ln>
+                  <a:noFill/>
+                </a:ln>
+                <a:effectLst/>
+                <a:latin typeface="Arial" panose="020B0604020202020204" pitchFamily="34" charset="0"/>
+                <a:cs typeface="Arial" panose="020B0604020202020204" pitchFamily="34" charset="0"/>
+                <a:hlinkClick r:id="rId2"/>
+              </a:rPr>
+              <a:t>https://community.cloud.databricks.com</a:t>
+            </a:r>
+            <a:endParaRPr kumimoji="0" lang="en-US" altLang="en-US" sz="2400" b="0" i="0" u="none" strike="noStrike" cap="none" normalizeH="0" baseline="0" dirty="0">
+              <a:ln>
+                <a:noFill/>
+              </a:ln>
+              <a:effectLst/>
+            </a:endParaRPr>
+          </a:p>
+          <a:p>
+            <a:pPr marL="0" marR="0" lvl="0" indent="0" defTabSz="914400" rtl="0" eaLnBrk="0" fontAlgn="base" latinLnBrk="0" hangingPunct="0">
+              <a:spcBef>
+                <a:spcPct val="0"/>
+              </a:spcBef>
+              <a:spcAft>
+                <a:spcPts val="600"/>
+              </a:spcAft>
+              <a:buClrTx/>
+              <a:buSzTx/>
+              <a:buFontTx/>
+              <a:buNone/>
+              <a:tabLst/>
+            </a:pPr>
+            <a:r>
+              <a:rPr kumimoji="0" lang="en-US" altLang="en-US" sz="2400" b="0" i="0" u="none" strike="noStrike" cap="none" normalizeH="0" baseline="0" dirty="0">
+                <a:ln>
+                  <a:noFill/>
+                </a:ln>
+                <a:effectLst/>
+                <a:latin typeface="Arial" panose="020B0604020202020204" pitchFamily="34" charset="0"/>
+                <a:cs typeface="Arial" panose="020B0604020202020204" pitchFamily="34" charset="0"/>
+              </a:rPr>
+              <a:t>2. Sign up for an account</a:t>
+            </a:r>
+          </a:p>
+          <a:p>
+            <a:pPr marL="0" marR="0" lvl="0" indent="0" defTabSz="914400" rtl="0" eaLnBrk="0" fontAlgn="base" latinLnBrk="0" hangingPunct="0">
+              <a:spcBef>
+                <a:spcPct val="0"/>
+              </a:spcBef>
+              <a:spcAft>
+                <a:spcPts val="600"/>
+              </a:spcAft>
+              <a:buClrTx/>
+              <a:buSzTx/>
+              <a:buFontTx/>
+              <a:buNone/>
+              <a:tabLst/>
+            </a:pPr>
+            <a:r>
+              <a:rPr lang="en-US" altLang="en-US" sz="2400" dirty="0">
+                <a:cs typeface="Arial" panose="020B0604020202020204" pitchFamily="34" charset="0"/>
+              </a:rPr>
+              <a:t>3. Upload data with UI</a:t>
+            </a:r>
+          </a:p>
+          <a:p>
+            <a:pPr marL="0" marR="0" lvl="0" indent="0" defTabSz="914400" rtl="0" eaLnBrk="0" fontAlgn="base" latinLnBrk="0" hangingPunct="0">
+              <a:spcBef>
+                <a:spcPct val="0"/>
+              </a:spcBef>
+              <a:spcAft>
+                <a:spcPts val="600"/>
+              </a:spcAft>
+              <a:buClrTx/>
+              <a:buSzTx/>
+              <a:buFontTx/>
+              <a:buNone/>
+              <a:tabLst/>
+            </a:pPr>
+            <a:r>
+              <a:rPr kumimoji="0" lang="en-US" altLang="en-US" sz="2400" b="0" i="0" u="none" strike="noStrike" cap="none" normalizeH="0" baseline="0" dirty="0">
+                <a:ln>
+                  <a:noFill/>
+                </a:ln>
+                <a:effectLst/>
+                <a:latin typeface="Arial" panose="020B0604020202020204" pitchFamily="34" charset="0"/>
+                <a:cs typeface="Arial" panose="020B0604020202020204" pitchFamily="34" charset="0"/>
+              </a:rPr>
+              <a:t>4. Create a cluster</a:t>
+            </a:r>
+          </a:p>
+          <a:p>
+            <a:pPr marL="0" marR="0" lvl="0" indent="0" defTabSz="914400" rtl="0" eaLnBrk="0" fontAlgn="base" latinLnBrk="0" hangingPunct="0">
+              <a:spcBef>
+                <a:spcPct val="0"/>
+              </a:spcBef>
+              <a:spcAft>
+                <a:spcPts val="600"/>
+              </a:spcAft>
+              <a:buClrTx/>
+              <a:buSzTx/>
+              <a:buFontTx/>
+              <a:buNone/>
+              <a:tabLst/>
+            </a:pPr>
+            <a:r>
+              <a:rPr lang="en-US" altLang="en-US" sz="2400" dirty="0">
+                <a:cs typeface="Arial" panose="020B0604020202020204" pitchFamily="34" charset="0"/>
+              </a:rPr>
+              <a:t>5. Create a new notebook or import the one sent to you</a:t>
+            </a:r>
+          </a:p>
+          <a:p>
+            <a:pPr marL="0" marR="0" lvl="0" indent="0" defTabSz="914400" rtl="0" eaLnBrk="0" fontAlgn="base" latinLnBrk="0" hangingPunct="0">
+              <a:spcBef>
+                <a:spcPct val="0"/>
+              </a:spcBef>
+              <a:spcAft>
+                <a:spcPts val="600"/>
+              </a:spcAft>
+              <a:buClrTx/>
+              <a:buSzTx/>
+              <a:buFontTx/>
+              <a:buNone/>
+              <a:tabLst/>
+            </a:pPr>
+            <a:r>
+              <a:rPr kumimoji="0" lang="en-US" altLang="en-US" sz="2400" b="0" i="0" u="none" strike="noStrike" cap="none" normalizeH="0" baseline="0" dirty="0">
+                <a:ln>
+                  <a:noFill/>
+                </a:ln>
+                <a:effectLst/>
+                <a:latin typeface="Arial" panose="020B0604020202020204" pitchFamily="34" charset="0"/>
+                <a:cs typeface="Arial" panose="020B0604020202020204" pitchFamily="34" charset="0"/>
+              </a:rPr>
+              <a:t>6. Write SQL</a:t>
+            </a:r>
+            <a:endParaRPr kumimoji="0" lang="en-US" altLang="en-US" sz="2400" b="0" i="0" u="none" strike="noStrike" cap="none" normalizeH="0" baseline="0" dirty="0">
+              <a:ln>
+                <a:noFill/>
+              </a:ln>
+              <a:effectLst/>
+              <a:latin typeface="Arial" panose="020B0604020202020204" pitchFamily="34" charset="0"/>
+            </a:endParaRPr>
+          </a:p>
+        </p:txBody>
+      </p:sp>
+    </p:spTree>
+    <p:extLst>
+      <p:ext uri="{BB962C8B-B14F-4D97-AF65-F5344CB8AC3E}">
+        <p14:creationId xmlns:p14="http://schemas.microsoft.com/office/powerpoint/2010/main" val="2884031137"/>
+      </p:ext>
+    </p:extLst>
+  </p:cSld>
+  <p:clrMapOvr>
+    <a:masterClrMapping/>
+  </p:clrMapOvr>
+</p:sld>
+</file>
+
+<file path=ppt/slides/slide11.xml><?xml version="1.0" encoding="utf-8"?>
+<p:sld xmlns:a="http://schemas.openxmlformats.org/drawingml/2006/main" xmlns:r="http://schemas.openxmlformats.org/officeDocument/2006/relationships" xmlns:p="http://schemas.openxmlformats.org/presentationml/2006/main">
+  <p:cSld>
+    <p:bg>
+      <p:bgPr>
+        <a:solidFill>
+          <a:schemeClr val="bg1"/>
+        </a:solidFill>
+        <a:effectLst/>
+      </p:bgPr>
+    </p:bg>
+    <p:spTree>
+      <p:nvGrpSpPr>
+        <p:cNvPr id="1" name=""/>
+        <p:cNvGrpSpPr/>
+        <p:nvPr/>
+      </p:nvGrpSpPr>
+      <p:grpSpPr>
+        <a:xfrm>
+          <a:off x="0" y="0"/>
+          <a:ext cx="0" cy="0"/>
+          <a:chOff x="0" y="0"/>
+          <a:chExt cx="0" cy="0"/>
+        </a:xfrm>
+      </p:grpSpPr>
+      <p:sp>
+        <p:nvSpPr>
           <p:cNvPr id="10" name="Freeform: Shape 9">
             <a:extLst>
               <a:ext uri="{FF2B5EF4-FFF2-40B4-BE49-F238E27FC236}">
@@ -30614,7 +31167,7 @@
 </p:sld>
 </file>
 
-<file path=ppt/slides/slide11.xml><?xml version="1.0" encoding="utf-8"?>
+<file path=ppt/slides/slide12.xml><?xml version="1.0" encoding="utf-8"?>
 <p:sld xmlns:a="http://schemas.openxmlformats.org/drawingml/2006/main" xmlns:r="http://schemas.openxmlformats.org/officeDocument/2006/relationships" xmlns:p="http://schemas.openxmlformats.org/presentationml/2006/main">
   <p:cSld>
     <p:bg>
@@ -30982,7 +31535,7 @@
 </p:sld>
 </file>
 
-<file path=ppt/slides/slide12.xml><?xml version="1.0" encoding="utf-8"?>
+<file path=ppt/slides/slide13.xml><?xml version="1.0" encoding="utf-8"?>
 <p:sld xmlns:a="http://schemas.openxmlformats.org/drawingml/2006/main" xmlns:r="http://schemas.openxmlformats.org/officeDocument/2006/relationships" xmlns:p="http://schemas.openxmlformats.org/presentationml/2006/main">
   <p:cSld>
     <p:bg>
@@ -31393,7 +31946,7 @@
 </p:sld>
 </file>
 
-<file path=ppt/slides/slide13.xml><?xml version="1.0" encoding="utf-8"?>
+<file path=ppt/slides/slide14.xml><?xml version="1.0" encoding="utf-8"?>
 <p:sld xmlns:a="http://schemas.openxmlformats.org/drawingml/2006/main" xmlns:r="http://schemas.openxmlformats.org/officeDocument/2006/relationships" xmlns:p="http://schemas.openxmlformats.org/presentationml/2006/main">
   <p:cSld>
     <p:bg>
@@ -31766,7 +32319,7 @@
 </p:sld>
 </file>
 
-<file path=ppt/slides/slide14.xml><?xml version="1.0" encoding="utf-8"?>
+<file path=ppt/slides/slide15.xml><?xml version="1.0" encoding="utf-8"?>
 <p:sld xmlns:a="http://schemas.openxmlformats.org/drawingml/2006/main" xmlns:r="http://schemas.openxmlformats.org/officeDocument/2006/relationships" xmlns:p="http://schemas.openxmlformats.org/presentationml/2006/main">
   <p:cSld>
     <p:bg>
@@ -32030,7 +32583,7 @@
 </p:sld>
 </file>
 
-<file path=ppt/slides/slide15.xml><?xml version="1.0" encoding="utf-8"?>
+<file path=ppt/slides/slide16.xml><?xml version="1.0" encoding="utf-8"?>
 <p:sld xmlns:a="http://schemas.openxmlformats.org/drawingml/2006/main" xmlns:r="http://schemas.openxmlformats.org/officeDocument/2006/relationships" xmlns:p="http://schemas.openxmlformats.org/presentationml/2006/main">
   <p:cSld>
     <p:bg>
@@ -32619,7 +33172,7 @@
 </p:sld>
 </file>
 
-<file path=ppt/slides/slide16.xml><?xml version="1.0" encoding="utf-8"?>
+<file path=ppt/slides/slide17.xml><?xml version="1.0" encoding="utf-8"?>
 <p:sld xmlns:a="http://schemas.openxmlformats.org/drawingml/2006/main" xmlns:r="http://schemas.openxmlformats.org/officeDocument/2006/relationships" xmlns:p="http://schemas.openxmlformats.org/presentationml/2006/main">
   <p:cSld>
     <p:bg>
@@ -33208,7 +33761,7 @@
 </p:sld>
 </file>
 
-<file path=ppt/slides/slide17.xml><?xml version="1.0" encoding="utf-8"?>
+<file path=ppt/slides/slide18.xml><?xml version="1.0" encoding="utf-8"?>
 <p:sld xmlns:a="http://schemas.openxmlformats.org/drawingml/2006/main" xmlns:r="http://schemas.openxmlformats.org/officeDocument/2006/relationships" xmlns:p="http://schemas.openxmlformats.org/presentationml/2006/main">
   <p:cSld>
     <p:bg>
@@ -33469,6 +34022,71 @@
       </p:grpSpPr>
       <p:pic>
         <p:nvPicPr>
+          <p:cNvPr id="5" name="Content Placeholder 4">
+            <a:extLst>
+              <a:ext uri="{FF2B5EF4-FFF2-40B4-BE49-F238E27FC236}">
+                <a16:creationId xmlns:a16="http://schemas.microsoft.com/office/drawing/2014/main" id="{7D82A1CD-A3DE-4854-9108-2C04DC2CC8C7}"/>
+              </a:ext>
+            </a:extLst>
+          </p:cNvPr>
+          <p:cNvPicPr>
+            <a:picLocks noGrp="1" noChangeAspect="1"/>
+          </p:cNvPicPr>
+          <p:nvPr>
+            <p:ph idx="1"/>
+          </p:nvPr>
+        </p:nvPicPr>
+        <p:blipFill>
+          <a:blip r:embed="rId2">
+            <a:extLst>
+              <a:ext uri="{28A0092B-C50C-407E-A947-70E740481C1C}">
+                <a14:useLocalDpi xmlns:a14="http://schemas.microsoft.com/office/drawing/2010/main" val="0"/>
+              </a:ext>
+            </a:extLst>
+          </a:blip>
+          <a:stretch>
+            <a:fillRect/>
+          </a:stretch>
+        </p:blipFill>
+        <p:spPr>
+          <a:xfrm>
+            <a:off x="3541552" y="17383"/>
+            <a:ext cx="5108895" cy="6823233"/>
+          </a:xfrm>
+        </p:spPr>
+      </p:pic>
+    </p:spTree>
+    <p:extLst>
+      <p:ext uri="{BB962C8B-B14F-4D97-AF65-F5344CB8AC3E}">
+        <p14:creationId xmlns:p14="http://schemas.microsoft.com/office/powerpoint/2010/main" val="1639647541"/>
+      </p:ext>
+    </p:extLst>
+  </p:cSld>
+  <p:clrMapOvr>
+    <a:masterClrMapping/>
+  </p:clrMapOvr>
+</p:sld>
+</file>
+
+<file path=ppt/slides/slide3.xml><?xml version="1.0" encoding="utf-8"?>
+<p:sld xmlns:a="http://schemas.openxmlformats.org/drawingml/2006/main" xmlns:r="http://schemas.openxmlformats.org/officeDocument/2006/relationships" xmlns:p="http://schemas.openxmlformats.org/presentationml/2006/main">
+  <p:cSld>
+    <p:spTree>
+      <p:nvGrpSpPr>
+        <p:cNvPr id="1" name=""/>
+        <p:cNvGrpSpPr/>
+        <p:nvPr/>
+      </p:nvGrpSpPr>
+      <p:grpSpPr>
+        <a:xfrm>
+          <a:off x="0" y="0"/>
+          <a:ext cx="0" cy="0"/>
+          <a:chOff x="0" y="0"/>
+          <a:chExt cx="0" cy="0"/>
+        </a:xfrm>
+      </p:grpSpPr>
+      <p:pic>
+        <p:nvPicPr>
           <p:cNvPr id="2050" name="Picture 2" descr="https://cdn.lynda.com/course/718660/718660-636656071008854100-16x9.jpg">
             <a:extLst>
               <a:ext uri="{FF2B5EF4-FFF2-40B4-BE49-F238E27FC236}">
@@ -33597,7 +34215,7 @@
 </p:sld>
 </file>
 
-<file path=ppt/slides/slide3.xml><?xml version="1.0" encoding="utf-8"?>
+<file path=ppt/slides/slide4.xml><?xml version="1.0" encoding="utf-8"?>
 <p:sld xmlns:a="http://schemas.openxmlformats.org/drawingml/2006/main" xmlns:r="http://schemas.openxmlformats.org/officeDocument/2006/relationships" xmlns:p="http://schemas.openxmlformats.org/presentationml/2006/main">
   <p:cSld>
     <p:bg>
@@ -34186,7 +34804,7 @@
 </p:sld>
 </file>
 
-<file path=ppt/slides/slide4.xml><?xml version="1.0" encoding="utf-8"?>
+<file path=ppt/slides/slide5.xml><?xml version="1.0" encoding="utf-8"?>
 <p:sld xmlns:a="http://schemas.openxmlformats.org/drawingml/2006/main" xmlns:r="http://schemas.openxmlformats.org/officeDocument/2006/relationships" xmlns:p="http://schemas.openxmlformats.org/presentationml/2006/main">
   <p:cSld>
     <p:bg>
@@ -34775,7 +35393,7 @@
 </p:sld>
 </file>
 
-<file path=ppt/slides/slide5.xml><?xml version="1.0" encoding="utf-8"?>
+<file path=ppt/slides/slide6.xml><?xml version="1.0" encoding="utf-8"?>
 <p:sld xmlns:a="http://schemas.openxmlformats.org/drawingml/2006/main" xmlns:r="http://schemas.openxmlformats.org/officeDocument/2006/relationships" xmlns:p="http://schemas.openxmlformats.org/presentationml/2006/main">
   <p:cSld>
     <p:bg>
@@ -35038,7 +35656,7 @@
 </p:sld>
 </file>
 
-<file path=ppt/slides/slide6.xml><?xml version="1.0" encoding="utf-8"?>
+<file path=ppt/slides/slide7.xml><?xml version="1.0" encoding="utf-8"?>
 <p:sld xmlns:a="http://schemas.openxmlformats.org/drawingml/2006/main" xmlns:r="http://schemas.openxmlformats.org/officeDocument/2006/relationships" xmlns:p="http://schemas.openxmlformats.org/presentationml/2006/main">
   <p:cSld>
     <p:bg>
@@ -35570,7 +36188,7 @@
 </p:sld>
 </file>
 
-<file path=ppt/slides/slide7.xml><?xml version="1.0" encoding="utf-8"?>
+<file path=ppt/slides/slide8.xml><?xml version="1.0" encoding="utf-8"?>
 <p:sld xmlns:a="http://schemas.openxmlformats.org/drawingml/2006/main" xmlns:r="http://schemas.openxmlformats.org/officeDocument/2006/relationships" xmlns:p="http://schemas.openxmlformats.org/presentationml/2006/main">
   <p:cSld>
     <p:bg>
@@ -35876,7 +36494,7 @@
 </p:sld>
 </file>
 
-<file path=ppt/slides/slide8.xml><?xml version="1.0" encoding="utf-8"?>
+<file path=ppt/slides/slide9.xml><?xml version="1.0" encoding="utf-8"?>
 <p:sld xmlns:a="http://schemas.openxmlformats.org/drawingml/2006/main" xmlns:r="http://schemas.openxmlformats.org/officeDocument/2006/relationships" xmlns:p="http://schemas.openxmlformats.org/presentationml/2006/main">
   <p:cSld>
     <p:bg>
@@ -36465,558 +37083,6 @@
 </p:sld>
 </file>
 
-<file path=ppt/slides/slide9.xml><?xml version="1.0" encoding="utf-8"?>
-<p:sld xmlns:a="http://schemas.openxmlformats.org/drawingml/2006/main" xmlns:r="http://schemas.openxmlformats.org/officeDocument/2006/relationships" xmlns:p="http://schemas.openxmlformats.org/presentationml/2006/main">
-  <p:cSld>
-    <p:bg>
-      <p:bgPr>
-        <a:solidFill>
-          <a:schemeClr val="bg1"/>
-        </a:solidFill>
-        <a:effectLst/>
-      </p:bgPr>
-    </p:bg>
-    <p:spTree>
-      <p:nvGrpSpPr>
-        <p:cNvPr id="1" name=""/>
-        <p:cNvGrpSpPr/>
-        <p:nvPr/>
-      </p:nvGrpSpPr>
-      <p:grpSpPr>
-        <a:xfrm>
-          <a:off x="0" y="0"/>
-          <a:ext cx="0" cy="0"/>
-          <a:chOff x="0" y="0"/>
-          <a:chExt cx="0" cy="0"/>
-        </a:xfrm>
-      </p:grpSpPr>
-      <p:sp>
-        <p:nvSpPr>
-          <p:cNvPr id="9" name="Rectangle 8">
-            <a:extLst>
-              <a:ext uri="{FF2B5EF4-FFF2-40B4-BE49-F238E27FC236}">
-                <a16:creationId xmlns:a16="http://schemas.microsoft.com/office/drawing/2014/main" id="{8D70B121-56F4-4848-B38B-182089D909FA}"/>
-              </a:ext>
-              <a:ext uri="{C183D7F6-B498-43B3-948B-1728B52AA6E4}">
-                <adec:decorative xmlns:adec="http://schemas.microsoft.com/office/drawing/2017/decorative" val="1"/>
-              </a:ext>
-            </a:extLst>
-          </p:cNvPr>
-          <p:cNvSpPr>
-            <a:spLocks noGrp="1" noRot="1" noChangeAspect="1" noMove="1" noResize="1" noEditPoints="1" noAdjustHandles="1" noChangeArrowheads="1" noChangeShapeType="1" noTextEdit="1"/>
-          </p:cNvSpPr>
-          <p:nvPr>
-            <p:extLst>
-              <p:ext uri="{386F3935-93C4-4BCD-93E2-E3B085C9AB24}">
-                <p16:designElem xmlns:p16="http://schemas.microsoft.com/office/powerpoint/2015/main" val="1"/>
-              </p:ext>
-            </p:extLst>
-          </p:nvPr>
-        </p:nvSpPr>
-        <p:spPr bwMode="ltGray">
-          <a:xfrm>
-            <a:off x="321564" y="320040"/>
-            <a:ext cx="11548872" cy="6217920"/>
-          </a:xfrm>
-          <a:prstGeom prst="rect">
-            <a:avLst/>
-          </a:prstGeom>
-          <a:solidFill>
-            <a:schemeClr val="tx1">
-              <a:alpha val="8000"/>
-            </a:schemeClr>
-          </a:solidFill>
-          <a:ln w="127000" cap="sq" cmpd="thinThick">
-            <a:noFill/>
-          </a:ln>
-        </p:spPr>
-        <p:style>
-          <a:lnRef idx="2">
-            <a:schemeClr val="accent1">
-              <a:shade val="50000"/>
-            </a:schemeClr>
-          </a:lnRef>
-          <a:fillRef idx="1">
-            <a:schemeClr val="accent1"/>
-          </a:fillRef>
-          <a:effectRef idx="0">
-            <a:schemeClr val="accent1"/>
-          </a:effectRef>
-          <a:fontRef idx="minor">
-            <a:schemeClr val="lt1"/>
-          </a:fontRef>
-        </p:style>
-        <p:txBody>
-          <a:bodyPr rtlCol="0" anchor="ctr"/>
-          <a:lstStyle/>
-          <a:p>
-            <a:pPr algn="ctr"/>
-            <a:endParaRPr lang="en-US"/>
-          </a:p>
-        </p:txBody>
-      </p:sp>
-      <p:sp>
-        <p:nvSpPr>
-          <p:cNvPr id="2" name="Title 1">
-            <a:extLst>
-              <a:ext uri="{FF2B5EF4-FFF2-40B4-BE49-F238E27FC236}">
-                <a16:creationId xmlns:a16="http://schemas.microsoft.com/office/drawing/2014/main" id="{F704E35C-D224-45AC-847B-26AB97AA354A}"/>
-              </a:ext>
-            </a:extLst>
-          </p:cNvPr>
-          <p:cNvSpPr>
-            <a:spLocks noGrp="1"/>
-          </p:cNvSpPr>
-          <p:nvPr>
-            <p:ph type="title"/>
-          </p:nvPr>
-        </p:nvSpPr>
-        <p:spPr>
-          <a:xfrm>
-            <a:off x="838200" y="963877"/>
-            <a:ext cx="3494362" cy="4930246"/>
-          </a:xfrm>
-        </p:spPr>
-        <p:txBody>
-          <a:bodyPr>
-            <a:normAutofit/>
-          </a:bodyPr>
-          <a:lstStyle/>
-          <a:p>
-            <a:pPr algn="r"/>
-            <a:r>
-              <a:rPr lang="en-US" dirty="0">
-                <a:solidFill>
-                  <a:schemeClr val="accent1"/>
-                </a:solidFill>
-              </a:rPr>
-              <a:t>If you want to follow along:</a:t>
-            </a:r>
-          </a:p>
-        </p:txBody>
-      </p:sp>
-      <p:cxnSp>
-        <p:nvCxnSpPr>
-          <p:cNvPr id="16" name="Straight Connector 10">
-            <a:extLst>
-              <a:ext uri="{FF2B5EF4-FFF2-40B4-BE49-F238E27FC236}">
-                <a16:creationId xmlns:a16="http://schemas.microsoft.com/office/drawing/2014/main" id="{2D72A2C9-F3CA-4216-8BAD-FA4C970C3C4E}"/>
-              </a:ext>
-              <a:ext uri="{C183D7F6-B498-43B3-948B-1728B52AA6E4}">
-                <adec:decorative xmlns:adec="http://schemas.microsoft.com/office/drawing/2017/decorative" val="1"/>
-              </a:ext>
-            </a:extLst>
-          </p:cNvPr>
-          <p:cNvCxnSpPr>
-            <a:cxnSpLocks noGrp="1" noRot="1" noChangeAspect="1" noMove="1" noResize="1" noEditPoints="1" noAdjustHandles="1" noChangeArrowheads="1" noChangeShapeType="1"/>
-          </p:cNvCxnSpPr>
-          <p:nvPr>
-            <p:extLst>
-              <p:ext uri="{386F3935-93C4-4BCD-93E2-E3B085C9AB24}">
-                <p16:designElem xmlns:p16="http://schemas.microsoft.com/office/powerpoint/2015/main" val="1"/>
-              </p:ext>
-            </p:extLst>
-          </p:nvPr>
-        </p:nvCxnSpPr>
-        <p:spPr>
-          <a:xfrm>
-            <a:off x="4654296" y="2057400"/>
-            <a:ext cx="0" cy="2743200"/>
-          </a:xfrm>
-          <a:prstGeom prst="line">
-            <a:avLst/>
-          </a:prstGeom>
-          <a:ln w="19050">
-            <a:solidFill>
-              <a:schemeClr val="tx1">
-                <a:lumMod val="85000"/>
-                <a:lumOff val="15000"/>
-              </a:schemeClr>
-            </a:solidFill>
-          </a:ln>
-        </p:spPr>
-        <p:style>
-          <a:lnRef idx="1">
-            <a:schemeClr val="accent1"/>
-          </a:lnRef>
-          <a:fillRef idx="0">
-            <a:schemeClr val="accent1"/>
-          </a:fillRef>
-          <a:effectRef idx="0">
-            <a:schemeClr val="accent1"/>
-          </a:effectRef>
-          <a:fontRef idx="minor">
-            <a:schemeClr val="tx1"/>
-          </a:fontRef>
-        </p:style>
-      </p:cxnSp>
-      <p:sp>
-        <p:nvSpPr>
-          <p:cNvPr id="17" name="Rectangle 1">
-            <a:extLst>
-              <a:ext uri="{FF2B5EF4-FFF2-40B4-BE49-F238E27FC236}">
-                <a16:creationId xmlns:a16="http://schemas.microsoft.com/office/drawing/2014/main" id="{85D3DF81-FFD5-48DA-BC27-44050197EFC6}"/>
-              </a:ext>
-            </a:extLst>
-          </p:cNvPr>
-          <p:cNvSpPr>
-            <a:spLocks noGrp="1" noChangeArrowheads="1"/>
-          </p:cNvSpPr>
-          <p:nvPr>
-            <p:ph idx="1"/>
-          </p:nvPr>
-        </p:nvSpPr>
-        <p:spPr bwMode="auto">
-          <a:xfrm>
-            <a:off x="4976031" y="963877"/>
-            <a:ext cx="6377769" cy="4930246"/>
-          </a:xfrm>
-          <a:prstGeom prst="rect">
-            <a:avLst/>
-          </a:prstGeom>
-          <a:extLst>
-            <a:ext uri="{91240B29-F687-4F45-9708-019B960494DF}">
-              <a14:hiddenLine xmlns:a14="http://schemas.microsoft.com/office/drawing/2010/main" w="9525">
-                <a:solidFill>
-                  <a:schemeClr val="tx1"/>
-                </a:solidFill>
-                <a:miter lim="800000"/>
-                <a:headEnd/>
-                <a:tailEnd/>
-              </a14:hiddenLine>
-            </a:ext>
-            <a:ext uri="{AF507438-7753-43E0-B8FC-AC1667EBCBE1}">
-              <a14:hiddenEffects xmlns:a14="http://schemas.microsoft.com/office/drawing/2010/main">
-                <a:effectLst>
-                  <a:outerShdw dist="35921" dir="2700000" algn="ctr" rotWithShape="0">
-                    <a:schemeClr val="bg2"/>
-                  </a:outerShdw>
-                </a:effectLst>
-              </a14:hiddenEffects>
-            </a:ext>
-          </a:extLst>
-        </p:spPr>
-        <p:txBody>
-          <a:bodyPr vert="horz" lIns="91440" tIns="45720" rIns="91440" bIns="45720" numCol="1" anchor="ctr" anchorCtr="0" compatLnSpc="1">
-            <a:prstTxWarp prst="textNoShape">
-              <a:avLst/>
-            </a:prstTxWarp>
-            <a:normAutofit/>
-          </a:bodyPr>
-          <a:lstStyle>
-            <a:lvl1pPr eaLnBrk="0" fontAlgn="base" hangingPunct="0">
-              <a:spcBef>
-                <a:spcPct val="0"/>
-              </a:spcBef>
-              <a:spcAft>
-                <a:spcPct val="0"/>
-              </a:spcAft>
-              <a:defRPr>
-                <a:solidFill>
-                  <a:schemeClr val="tx1"/>
-                </a:solidFill>
-                <a:latin typeface="Arial" panose="020B0604020202020204" pitchFamily="34" charset="0"/>
-              </a:defRPr>
-            </a:lvl1pPr>
-            <a:lvl2pPr eaLnBrk="0" fontAlgn="base" hangingPunct="0">
-              <a:spcBef>
-                <a:spcPct val="0"/>
-              </a:spcBef>
-              <a:spcAft>
-                <a:spcPct val="0"/>
-              </a:spcAft>
-              <a:defRPr>
-                <a:solidFill>
-                  <a:schemeClr val="tx1"/>
-                </a:solidFill>
-                <a:latin typeface="Arial" panose="020B0604020202020204" pitchFamily="34" charset="0"/>
-              </a:defRPr>
-            </a:lvl2pPr>
-            <a:lvl3pPr eaLnBrk="0" fontAlgn="base" hangingPunct="0">
-              <a:spcBef>
-                <a:spcPct val="0"/>
-              </a:spcBef>
-              <a:spcAft>
-                <a:spcPct val="0"/>
-              </a:spcAft>
-              <a:defRPr>
-                <a:solidFill>
-                  <a:schemeClr val="tx1"/>
-                </a:solidFill>
-                <a:latin typeface="Arial" panose="020B0604020202020204" pitchFamily="34" charset="0"/>
-              </a:defRPr>
-            </a:lvl3pPr>
-            <a:lvl4pPr eaLnBrk="0" fontAlgn="base" hangingPunct="0">
-              <a:spcBef>
-                <a:spcPct val="0"/>
-              </a:spcBef>
-              <a:spcAft>
-                <a:spcPct val="0"/>
-              </a:spcAft>
-              <a:defRPr>
-                <a:solidFill>
-                  <a:schemeClr val="tx1"/>
-                </a:solidFill>
-                <a:latin typeface="Arial" panose="020B0604020202020204" pitchFamily="34" charset="0"/>
-              </a:defRPr>
-            </a:lvl4pPr>
-            <a:lvl5pPr eaLnBrk="0" fontAlgn="base" hangingPunct="0">
-              <a:spcBef>
-                <a:spcPct val="0"/>
-              </a:spcBef>
-              <a:spcAft>
-                <a:spcPct val="0"/>
-              </a:spcAft>
-              <a:defRPr>
-                <a:solidFill>
-                  <a:schemeClr val="tx1"/>
-                </a:solidFill>
-                <a:latin typeface="Arial" panose="020B0604020202020204" pitchFamily="34" charset="0"/>
-              </a:defRPr>
-            </a:lvl5pPr>
-            <a:lvl6pPr eaLnBrk="0" fontAlgn="base" hangingPunct="0">
-              <a:spcBef>
-                <a:spcPct val="0"/>
-              </a:spcBef>
-              <a:spcAft>
-                <a:spcPct val="0"/>
-              </a:spcAft>
-              <a:defRPr>
-                <a:solidFill>
-                  <a:schemeClr val="tx1"/>
-                </a:solidFill>
-                <a:latin typeface="Arial" panose="020B0604020202020204" pitchFamily="34" charset="0"/>
-              </a:defRPr>
-            </a:lvl6pPr>
-            <a:lvl7pPr eaLnBrk="0" fontAlgn="base" hangingPunct="0">
-              <a:spcBef>
-                <a:spcPct val="0"/>
-              </a:spcBef>
-              <a:spcAft>
-                <a:spcPct val="0"/>
-              </a:spcAft>
-              <a:defRPr>
-                <a:solidFill>
-                  <a:schemeClr val="tx1"/>
-                </a:solidFill>
-                <a:latin typeface="Arial" panose="020B0604020202020204" pitchFamily="34" charset="0"/>
-              </a:defRPr>
-            </a:lvl7pPr>
-            <a:lvl8pPr eaLnBrk="0" fontAlgn="base" hangingPunct="0">
-              <a:spcBef>
-                <a:spcPct val="0"/>
-              </a:spcBef>
-              <a:spcAft>
-                <a:spcPct val="0"/>
-              </a:spcAft>
-              <a:defRPr>
-                <a:solidFill>
-                  <a:schemeClr val="tx1"/>
-                </a:solidFill>
-                <a:latin typeface="Arial" panose="020B0604020202020204" pitchFamily="34" charset="0"/>
-              </a:defRPr>
-            </a:lvl8pPr>
-            <a:lvl9pPr eaLnBrk="0" fontAlgn="base" hangingPunct="0">
-              <a:spcBef>
-                <a:spcPct val="0"/>
-              </a:spcBef>
-              <a:spcAft>
-                <a:spcPct val="0"/>
-              </a:spcAft>
-              <a:defRPr>
-                <a:solidFill>
-                  <a:schemeClr val="tx1"/>
-                </a:solidFill>
-                <a:latin typeface="Arial" panose="020B0604020202020204" pitchFamily="34" charset="0"/>
-              </a:defRPr>
-            </a:lvl9pPr>
-          </a:lstStyle>
-          <a:p>
-            <a:pPr marL="0" marR="0" lvl="0" indent="0" defTabSz="914400" rtl="0" eaLnBrk="0" fontAlgn="base" latinLnBrk="0" hangingPunct="0">
-              <a:spcBef>
-                <a:spcPct val="0"/>
-              </a:spcBef>
-              <a:spcAft>
-                <a:spcPts val="600"/>
-              </a:spcAft>
-              <a:buClrTx/>
-              <a:buSzTx/>
-              <a:buFontTx/>
-              <a:buNone/>
-              <a:tabLst/>
-            </a:pPr>
-            <a:r>
-              <a:rPr kumimoji="0" lang="en-US" altLang="en-US" sz="2400" b="0" i="0" u="none" strike="noStrike" cap="none" normalizeH="0" baseline="0" dirty="0">
-                <a:ln>
-                  <a:noFill/>
-                </a:ln>
-                <a:effectLst/>
-                <a:latin typeface="Arial" panose="020B0604020202020204" pitchFamily="34" charset="0"/>
-                <a:cs typeface="Arial" panose="020B0604020202020204" pitchFamily="34" charset="0"/>
-              </a:rPr>
-              <a:t>1. Navigate to </a:t>
-            </a:r>
-            <a:r>
-              <a:rPr kumimoji="0" lang="en-US" altLang="en-US" sz="2400" b="0" i="0" u="none" strike="noStrike" cap="none" normalizeH="0" baseline="0" dirty="0">
-                <a:ln>
-                  <a:noFill/>
-                </a:ln>
-                <a:effectLst/>
-                <a:latin typeface="Arial" panose="020B0604020202020204" pitchFamily="34" charset="0"/>
-                <a:cs typeface="Arial" panose="020B0604020202020204" pitchFamily="34" charset="0"/>
-                <a:hlinkClick r:id="rId2"/>
-              </a:rPr>
-              <a:t>https://community.cloud.databricks.com</a:t>
-            </a:r>
-            <a:endParaRPr kumimoji="0" lang="en-US" altLang="en-US" sz="2400" b="0" i="0" u="none" strike="noStrike" cap="none" normalizeH="0" baseline="0" dirty="0">
-              <a:ln>
-                <a:noFill/>
-              </a:ln>
-              <a:effectLst/>
-            </a:endParaRPr>
-          </a:p>
-          <a:p>
-            <a:pPr marL="0" marR="0" lvl="0" indent="0" defTabSz="914400" rtl="0" eaLnBrk="0" fontAlgn="base" latinLnBrk="0" hangingPunct="0">
-              <a:spcBef>
-                <a:spcPct val="0"/>
-              </a:spcBef>
-              <a:spcAft>
-                <a:spcPts val="600"/>
-              </a:spcAft>
-              <a:buClrTx/>
-              <a:buSzTx/>
-              <a:buFontTx/>
-              <a:buNone/>
-              <a:tabLst/>
-            </a:pPr>
-            <a:r>
-              <a:rPr kumimoji="0" lang="en-US" altLang="en-US" sz="2400" b="0" i="0" u="none" strike="noStrike" cap="none" normalizeH="0" baseline="0" dirty="0">
-                <a:ln>
-                  <a:noFill/>
-                </a:ln>
-                <a:effectLst/>
-                <a:latin typeface="Arial" panose="020B0604020202020204" pitchFamily="34" charset="0"/>
-                <a:cs typeface="Arial" panose="020B0604020202020204" pitchFamily="34" charset="0"/>
-              </a:rPr>
-              <a:t>2. Sign up for an account</a:t>
-            </a:r>
-          </a:p>
-          <a:p>
-            <a:pPr marL="0" marR="0" lvl="0" indent="0" defTabSz="914400" rtl="0" eaLnBrk="0" fontAlgn="base" latinLnBrk="0" hangingPunct="0">
-              <a:spcBef>
-                <a:spcPct val="0"/>
-              </a:spcBef>
-              <a:spcAft>
-                <a:spcPts val="600"/>
-              </a:spcAft>
-              <a:buClrTx/>
-              <a:buSzTx/>
-              <a:buFontTx/>
-              <a:buNone/>
-              <a:tabLst/>
-            </a:pPr>
-            <a:r>
-              <a:rPr lang="en-US" altLang="en-US" sz="2400" dirty="0">
-                <a:cs typeface="Arial" panose="020B0604020202020204" pitchFamily="34" charset="0"/>
-              </a:rPr>
-              <a:t>3. Upload data with UI</a:t>
-            </a:r>
-          </a:p>
-          <a:p>
-            <a:pPr marL="0" marR="0" lvl="0" indent="0" defTabSz="914400" rtl="0" eaLnBrk="0" fontAlgn="base" latinLnBrk="0" hangingPunct="0">
-              <a:spcBef>
-                <a:spcPct val="0"/>
-              </a:spcBef>
-              <a:spcAft>
-                <a:spcPts val="600"/>
-              </a:spcAft>
-              <a:buClrTx/>
-              <a:buSzTx/>
-              <a:buFontTx/>
-              <a:buNone/>
-              <a:tabLst/>
-            </a:pPr>
-            <a:r>
-              <a:rPr kumimoji="0" lang="en-US" altLang="en-US" sz="2400" b="0" i="0" u="none" strike="noStrike" cap="none" normalizeH="0" baseline="0" dirty="0">
-                <a:ln>
-                  <a:noFill/>
-                </a:ln>
-                <a:effectLst/>
-                <a:latin typeface="Arial" panose="020B0604020202020204" pitchFamily="34" charset="0"/>
-                <a:cs typeface="Arial" panose="020B0604020202020204" pitchFamily="34" charset="0"/>
-              </a:rPr>
-              <a:t>4. Create a cluster</a:t>
-            </a:r>
-          </a:p>
-          <a:p>
-            <a:pPr marL="0" marR="0" lvl="0" indent="0" defTabSz="914400" rtl="0" eaLnBrk="0" fontAlgn="base" latinLnBrk="0" hangingPunct="0">
-              <a:spcBef>
-                <a:spcPct val="0"/>
-              </a:spcBef>
-              <a:spcAft>
-                <a:spcPts val="600"/>
-              </a:spcAft>
-              <a:buClrTx/>
-              <a:buSzTx/>
-              <a:buFontTx/>
-              <a:buNone/>
-              <a:tabLst/>
-            </a:pPr>
-            <a:r>
-              <a:rPr lang="en-US" altLang="en-US" sz="2400" dirty="0">
-                <a:cs typeface="Arial" panose="020B0604020202020204" pitchFamily="34" charset="0"/>
-              </a:rPr>
-              <a:t>5. Create a new notebook or import the one sent to you</a:t>
-            </a:r>
-          </a:p>
-          <a:p>
-            <a:pPr marL="0" marR="0" lvl="0" indent="0" defTabSz="914400" rtl="0" eaLnBrk="0" fontAlgn="base" latinLnBrk="0" hangingPunct="0">
-              <a:spcBef>
-                <a:spcPct val="0"/>
-              </a:spcBef>
-              <a:spcAft>
-                <a:spcPts val="600"/>
-              </a:spcAft>
-              <a:buClrTx/>
-              <a:buSzTx/>
-              <a:buFontTx/>
-              <a:buNone/>
-              <a:tabLst/>
-            </a:pPr>
-            <a:r>
-              <a:rPr kumimoji="0" lang="en-US" altLang="en-US" sz="2400" b="0" i="0" u="none" strike="noStrike" cap="none" normalizeH="0" baseline="0" dirty="0">
-                <a:ln>
-                  <a:noFill/>
-                </a:ln>
-                <a:effectLst/>
-                <a:latin typeface="Arial" panose="020B0604020202020204" pitchFamily="34" charset="0"/>
-                <a:cs typeface="Arial" panose="020B0604020202020204" pitchFamily="34" charset="0"/>
-              </a:rPr>
-              <a:t>6. Write SQL</a:t>
-            </a:r>
-            <a:endParaRPr kumimoji="0" lang="en-US" altLang="en-US" sz="2400" b="0" i="0" u="none" strike="noStrike" cap="none" normalizeH="0" baseline="0" dirty="0">
-              <a:ln>
-                <a:noFill/>
-              </a:ln>
-              <a:effectLst/>
-              <a:latin typeface="Arial" panose="020B0604020202020204" pitchFamily="34" charset="0"/>
-            </a:endParaRPr>
-          </a:p>
-        </p:txBody>
-      </p:sp>
-    </p:spTree>
-    <p:extLst>
-      <p:ext uri="{BB962C8B-B14F-4D97-AF65-F5344CB8AC3E}">
-        <p14:creationId xmlns:p14="http://schemas.microsoft.com/office/powerpoint/2010/main" val="2884031137"/>
-      </p:ext>
-    </p:extLst>
-  </p:cSld>
-  <p:clrMapOvr>
-    <a:masterClrMapping/>
-  </p:clrMapOvr>
-</p:sld>
-</file>
-
 <file path=ppt/theme/theme1.xml><?xml version="1.0" encoding="utf-8"?>
 <a:theme xmlns:a="http://schemas.openxmlformats.org/drawingml/2006/main" name="Office Theme">
   <a:themeElements>

--- a/SQL.pptx
+++ b/SQL.pptx
@@ -6,23 +6,22 @@
   </p:sldMasterIdLst>
   <p:sldIdLst>
     <p:sldId id="271" r:id="rId2"/>
-    <p:sldId id="279" r:id="rId3"/>
-    <p:sldId id="256" r:id="rId4"/>
-    <p:sldId id="257" r:id="rId5"/>
-    <p:sldId id="266" r:id="rId6"/>
-    <p:sldId id="265" r:id="rId7"/>
-    <p:sldId id="267" r:id="rId8"/>
-    <p:sldId id="268" r:id="rId9"/>
-    <p:sldId id="269" r:id="rId10"/>
-    <p:sldId id="270" r:id="rId11"/>
-    <p:sldId id="263" r:id="rId12"/>
-    <p:sldId id="272" r:id="rId13"/>
-    <p:sldId id="273" r:id="rId14"/>
-    <p:sldId id="274" r:id="rId15"/>
-    <p:sldId id="276" r:id="rId16"/>
-    <p:sldId id="275" r:id="rId17"/>
-    <p:sldId id="278" r:id="rId18"/>
-    <p:sldId id="277" r:id="rId19"/>
+    <p:sldId id="256" r:id="rId3"/>
+    <p:sldId id="257" r:id="rId4"/>
+    <p:sldId id="266" r:id="rId5"/>
+    <p:sldId id="265" r:id="rId6"/>
+    <p:sldId id="267" r:id="rId7"/>
+    <p:sldId id="268" r:id="rId8"/>
+    <p:sldId id="269" r:id="rId9"/>
+    <p:sldId id="270" r:id="rId10"/>
+    <p:sldId id="263" r:id="rId11"/>
+    <p:sldId id="272" r:id="rId12"/>
+    <p:sldId id="273" r:id="rId13"/>
+    <p:sldId id="274" r:id="rId14"/>
+    <p:sldId id="276" r:id="rId15"/>
+    <p:sldId id="275" r:id="rId16"/>
+    <p:sldId id="278" r:id="rId17"/>
+    <p:sldId id="277" r:id="rId18"/>
   </p:sldIdLst>
   <p:sldSz cx="12192000" cy="6858000"/>
   <p:notesSz cx="6858000" cy="9144000"/>
@@ -151,70 +150,6 @@
 
 <file path=ppt/changesInfos/changesInfo1.xml><?xml version="1.0" encoding="utf-8"?>
 <pc:chgInfo xmlns:a="http://schemas.openxmlformats.org/drawingml/2006/main" xmlns:r="http://schemas.openxmlformats.org/officeDocument/2006/relationships" xmlns:ac="http://schemas.microsoft.com/office/drawing/2013/main/command" xmlns:pc="http://schemas.microsoft.com/office/powerpoint/2013/main/command">
-  <pc:docChgLst>
-    <pc:chgData name="MIKE keith" userId="25ab65adf9c03e25" providerId="Windows Live" clId="Web-{15358A5E-0C2B-4C60-AF22-5B34C9AD1FFE}"/>
-    <pc:docChg chg="">
-      <pc:chgData name="MIKE keith" userId="25ab65adf9c03e25" providerId="Windows Live" clId="Web-{15358A5E-0C2B-4C60-AF22-5B34C9AD1FFE}" dt="2020-01-23T16:27:02.633" v="0"/>
-      <pc:docMkLst>
-        <pc:docMk/>
-      </pc:docMkLst>
-      <pc:sldChg chg="delCm">
-        <pc:chgData name="MIKE keith" userId="25ab65adf9c03e25" providerId="Windows Live" clId="Web-{15358A5E-0C2B-4C60-AF22-5B34C9AD1FFE}" dt="2020-01-23T16:27:02.633" v="0"/>
-        <pc:sldMkLst>
-          <pc:docMk/>
-          <pc:sldMk cId="433999970" sldId="274"/>
-        </pc:sldMkLst>
-      </pc:sldChg>
-    </pc:docChg>
-  </pc:docChgLst>
-  <pc:docChgLst>
-    <pc:chgData name="MIKE keith" userId="25ab65adf9c03e25" providerId="Windows Live" clId="Web-{E95747C5-91CB-423A-B5B1-4F3F00CE418B}"/>
-    <pc:docChg chg="modSld">
-      <pc:chgData name="MIKE keith" userId="25ab65adf9c03e25" providerId="Windows Live" clId="Web-{E95747C5-91CB-423A-B5B1-4F3F00CE418B}" dt="2020-01-23T16:24:04.929" v="9" actId="20577"/>
-      <pc:docMkLst>
-        <pc:docMk/>
-      </pc:docMkLst>
-      <pc:sldChg chg="modSp">
-        <pc:chgData name="MIKE keith" userId="25ab65adf9c03e25" providerId="Windows Live" clId="Web-{E95747C5-91CB-423A-B5B1-4F3F00CE418B}" dt="2020-01-23T16:24:04.929" v="9" actId="20577"/>
-        <pc:sldMkLst>
-          <pc:docMk/>
-          <pc:sldMk cId="1396768436" sldId="271"/>
-        </pc:sldMkLst>
-        <pc:graphicFrameChg chg="modGraphic">
-          <ac:chgData name="MIKE keith" userId="25ab65adf9c03e25" providerId="Windows Live" clId="Web-{E95747C5-91CB-423A-B5B1-4F3F00CE418B}" dt="2020-01-23T16:24:04.929" v="9" actId="20577"/>
-          <ac:graphicFrameMkLst>
-            <pc:docMk/>
-            <pc:sldMk cId="1396768436" sldId="271"/>
-            <ac:graphicFrameMk id="34" creationId="{D9C03EDA-3E29-4883-9F1F-5E383084AB12}"/>
-          </ac:graphicFrameMkLst>
-        </pc:graphicFrameChg>
-      </pc:sldChg>
-    </pc:docChg>
-  </pc:docChgLst>
-  <pc:docChgLst>
-    <pc:chgData name="MIKE keith" userId="25ab65adf9c03e25" providerId="LiveId" clId="{AFF7F296-3AC8-409A-9071-8C3A0CA9FE95}"/>
-    <pc:docChg chg="modSld sldOrd">
-      <pc:chgData name="MIKE keith" userId="25ab65adf9c03e25" providerId="LiveId" clId="{AFF7F296-3AC8-409A-9071-8C3A0CA9FE95}" dt="2021-01-18T01:21:12.810" v="293" actId="114"/>
-      <pc:docMkLst>
-        <pc:docMk/>
-      </pc:docMkLst>
-      <pc:sldChg chg="modSp ord">
-        <pc:chgData name="MIKE keith" userId="25ab65adf9c03e25" providerId="LiveId" clId="{AFF7F296-3AC8-409A-9071-8C3A0CA9FE95}" dt="2021-01-18T01:21:12.810" v="293" actId="114"/>
-        <pc:sldMkLst>
-          <pc:docMk/>
-          <pc:sldMk cId="1396768436" sldId="271"/>
-        </pc:sldMkLst>
-        <pc:graphicFrameChg chg="mod">
-          <ac:chgData name="MIKE keith" userId="25ab65adf9c03e25" providerId="LiveId" clId="{AFF7F296-3AC8-409A-9071-8C3A0CA9FE95}" dt="2021-01-18T01:21:12.810" v="293" actId="114"/>
-          <ac:graphicFrameMkLst>
-            <pc:docMk/>
-            <pc:sldMk cId="1396768436" sldId="271"/>
-            <ac:graphicFrameMk id="34" creationId="{D9C03EDA-3E29-4883-9F1F-5E383084AB12}"/>
-          </ac:graphicFrameMkLst>
-        </pc:graphicFrameChg>
-      </pc:sldChg>
-    </pc:docChg>
-  </pc:docChgLst>
   <pc:docChgLst>
     <pc:chgData name="MIKE keith" userId="25ab65adf9c03e25" providerId="Windows Live" clId="Web-{1D618679-286F-42C9-9AE0-A98F24F6DB37}"/>
     <pc:docChg chg="modSld">
@@ -533,30 +468,6 @@
             <ac:spMk id="3" creationId="{13C3A35D-B666-4B98-AC5A-A1C918FB7665}"/>
           </ac:spMkLst>
         </pc:spChg>
-      </pc:sldChg>
-    </pc:docChg>
-  </pc:docChgLst>
-  <pc:docChgLst>
-    <pc:chgData name="MIKE keith" userId="25ab65adf9c03e25" providerId="Windows Live" clId="Web-{554EFBB4-3259-4491-A444-3ECC0592173A}"/>
-    <pc:docChg chg="modSld">
-      <pc:chgData name="MIKE keith" userId="25ab65adf9c03e25" providerId="Windows Live" clId="Web-{554EFBB4-3259-4491-A444-3ECC0592173A}" dt="2020-01-21T18:03:24.383" v="14" actId="20577"/>
-      <pc:docMkLst>
-        <pc:docMk/>
-      </pc:docMkLst>
-      <pc:sldChg chg="modSp">
-        <pc:chgData name="MIKE keith" userId="25ab65adf9c03e25" providerId="Windows Live" clId="Web-{554EFBB4-3259-4491-A444-3ECC0592173A}" dt="2020-01-21T18:03:24.383" v="14" actId="20577"/>
-        <pc:sldMkLst>
-          <pc:docMk/>
-          <pc:sldMk cId="523567894" sldId="267"/>
-        </pc:sldMkLst>
-        <pc:graphicFrameChg chg="modGraphic">
-          <ac:chgData name="MIKE keith" userId="25ab65adf9c03e25" providerId="Windows Live" clId="Web-{554EFBB4-3259-4491-A444-3ECC0592173A}" dt="2020-01-21T18:03:24.383" v="14" actId="20577"/>
-          <ac:graphicFrameMkLst>
-            <pc:docMk/>
-            <pc:sldMk cId="523567894" sldId="267"/>
-            <ac:graphicFrameMk id="5" creationId="{3DD9A21E-52EC-43B1-84F0-BFA136A17059}"/>
-          </ac:graphicFrameMkLst>
-        </pc:graphicFrameChg>
       </pc:sldChg>
     </pc:docChg>
   </pc:docChgLst>
@@ -1978,6 +1889,70 @@
     </pc:docChg>
   </pc:docChgLst>
   <pc:docChgLst>
+    <pc:chgData name="MIKE keith" userId="25ab65adf9c03e25" providerId="Windows Live" clId="Web-{E95747C5-91CB-423A-B5B1-4F3F00CE418B}"/>
+    <pc:docChg chg="modSld">
+      <pc:chgData name="MIKE keith" userId="25ab65adf9c03e25" providerId="Windows Live" clId="Web-{E95747C5-91CB-423A-B5B1-4F3F00CE418B}" dt="2020-01-23T16:24:04.929" v="9" actId="20577"/>
+      <pc:docMkLst>
+        <pc:docMk/>
+      </pc:docMkLst>
+      <pc:sldChg chg="modSp">
+        <pc:chgData name="MIKE keith" userId="25ab65adf9c03e25" providerId="Windows Live" clId="Web-{E95747C5-91CB-423A-B5B1-4F3F00CE418B}" dt="2020-01-23T16:24:04.929" v="9" actId="20577"/>
+        <pc:sldMkLst>
+          <pc:docMk/>
+          <pc:sldMk cId="1396768436" sldId="271"/>
+        </pc:sldMkLst>
+        <pc:graphicFrameChg chg="modGraphic">
+          <ac:chgData name="MIKE keith" userId="25ab65adf9c03e25" providerId="Windows Live" clId="Web-{E95747C5-91CB-423A-B5B1-4F3F00CE418B}" dt="2020-01-23T16:24:04.929" v="9" actId="20577"/>
+          <ac:graphicFrameMkLst>
+            <pc:docMk/>
+            <pc:sldMk cId="1396768436" sldId="271"/>
+            <ac:graphicFrameMk id="34" creationId="{D9C03EDA-3E29-4883-9F1F-5E383084AB12}"/>
+          </ac:graphicFrameMkLst>
+        </pc:graphicFrameChg>
+      </pc:sldChg>
+    </pc:docChg>
+  </pc:docChgLst>
+  <pc:docChgLst>
+    <pc:chgData name="MIKE keith" userId="25ab65adf9c03e25" providerId="Windows Live" clId="Web-{15358A5E-0C2B-4C60-AF22-5B34C9AD1FFE}"/>
+    <pc:docChg chg="">
+      <pc:chgData name="MIKE keith" userId="25ab65adf9c03e25" providerId="Windows Live" clId="Web-{15358A5E-0C2B-4C60-AF22-5B34C9AD1FFE}" dt="2020-01-23T16:27:02.633" v="0"/>
+      <pc:docMkLst>
+        <pc:docMk/>
+      </pc:docMkLst>
+      <pc:sldChg chg="delCm">
+        <pc:chgData name="MIKE keith" userId="25ab65adf9c03e25" providerId="Windows Live" clId="Web-{15358A5E-0C2B-4C60-AF22-5B34C9AD1FFE}" dt="2020-01-23T16:27:02.633" v="0"/>
+        <pc:sldMkLst>
+          <pc:docMk/>
+          <pc:sldMk cId="433999970" sldId="274"/>
+        </pc:sldMkLst>
+      </pc:sldChg>
+    </pc:docChg>
+  </pc:docChgLst>
+  <pc:docChgLst>
+    <pc:chgData name="MIKE keith" userId="25ab65adf9c03e25" providerId="Windows Live" clId="Web-{554EFBB4-3259-4491-A444-3ECC0592173A}"/>
+    <pc:docChg chg="modSld">
+      <pc:chgData name="MIKE keith" userId="25ab65adf9c03e25" providerId="Windows Live" clId="Web-{554EFBB4-3259-4491-A444-3ECC0592173A}" dt="2020-01-21T18:03:24.383" v="14" actId="20577"/>
+      <pc:docMkLst>
+        <pc:docMk/>
+      </pc:docMkLst>
+      <pc:sldChg chg="modSp">
+        <pc:chgData name="MIKE keith" userId="25ab65adf9c03e25" providerId="Windows Live" clId="Web-{554EFBB4-3259-4491-A444-3ECC0592173A}" dt="2020-01-21T18:03:24.383" v="14" actId="20577"/>
+        <pc:sldMkLst>
+          <pc:docMk/>
+          <pc:sldMk cId="523567894" sldId="267"/>
+        </pc:sldMkLst>
+        <pc:graphicFrameChg chg="modGraphic">
+          <ac:chgData name="MIKE keith" userId="25ab65adf9c03e25" providerId="Windows Live" clId="Web-{554EFBB4-3259-4491-A444-3ECC0592173A}" dt="2020-01-21T18:03:24.383" v="14" actId="20577"/>
+          <ac:graphicFrameMkLst>
+            <pc:docMk/>
+            <pc:sldMk cId="523567894" sldId="267"/>
+            <ac:graphicFrameMk id="5" creationId="{3DD9A21E-52EC-43B1-84F0-BFA136A17059}"/>
+          </ac:graphicFrameMkLst>
+        </pc:graphicFrameChg>
+      </pc:sldChg>
+    </pc:docChg>
+  </pc:docChgLst>
+  <pc:docChgLst>
     <pc:chgData name="MIKE keith" userId="25ab65adf9c03e25" providerId="Windows Live" clId="Web-{E4A1C30B-214F-4D3D-897D-1D58B5DC86AE}"/>
     <pc:docChg chg="modSld">
       <pc:chgData name="MIKE keith" userId="25ab65adf9c03e25" providerId="Windows Live" clId="Web-{E4A1C30B-214F-4D3D-897D-1D58B5DC86AE}" dt="2020-01-21T17:46:34.849" v="215" actId="20577"/>
@@ -2043,6 +2018,37 @@
             <ac:graphicFrameMk id="5" creationId="{730C73C2-86C0-478F-94F9-ECA4D26ED55B}"/>
           </ac:graphicFrameMkLst>
         </pc:graphicFrameChg>
+      </pc:sldChg>
+    </pc:docChg>
+  </pc:docChgLst>
+  <pc:docChgLst>
+    <pc:chgData name="MIKE keith" userId="25ab65adf9c03e25" providerId="LiveId" clId="{AFF7F296-3AC8-409A-9071-8C3A0CA9FE95}"/>
+    <pc:docChg chg="delSld modSld sldOrd">
+      <pc:chgData name="MIKE keith" userId="25ab65adf9c03e25" providerId="LiveId" clId="{AFF7F296-3AC8-409A-9071-8C3A0CA9FE95}" dt="2021-02-12T15:11:34.185" v="294" actId="47"/>
+      <pc:docMkLst>
+        <pc:docMk/>
+      </pc:docMkLst>
+      <pc:sldChg chg="modSp ord">
+        <pc:chgData name="MIKE keith" userId="25ab65adf9c03e25" providerId="LiveId" clId="{AFF7F296-3AC8-409A-9071-8C3A0CA9FE95}" dt="2021-01-18T01:21:12.810" v="293" actId="114"/>
+        <pc:sldMkLst>
+          <pc:docMk/>
+          <pc:sldMk cId="1396768436" sldId="271"/>
+        </pc:sldMkLst>
+        <pc:graphicFrameChg chg="mod">
+          <ac:chgData name="MIKE keith" userId="25ab65adf9c03e25" providerId="LiveId" clId="{AFF7F296-3AC8-409A-9071-8C3A0CA9FE95}" dt="2021-01-18T01:21:12.810" v="293" actId="114"/>
+          <ac:graphicFrameMkLst>
+            <pc:docMk/>
+            <pc:sldMk cId="1396768436" sldId="271"/>
+            <ac:graphicFrameMk id="34" creationId="{D9C03EDA-3E29-4883-9F1F-5E383084AB12}"/>
+          </ac:graphicFrameMkLst>
+        </pc:graphicFrameChg>
+      </pc:sldChg>
+      <pc:sldChg chg="del">
+        <pc:chgData name="MIKE keith" userId="25ab65adf9c03e25" providerId="LiveId" clId="{AFF7F296-3AC8-409A-9071-8C3A0CA9FE95}" dt="2021-02-12T15:11:34.185" v="294" actId="47"/>
+        <pc:sldMkLst>
+          <pc:docMk/>
+          <pc:sldMk cId="1639647541" sldId="279"/>
+        </pc:sldMkLst>
       </pc:sldChg>
     </pc:docChg>
   </pc:docChgLst>
@@ -30053,558 +30059,6 @@
       </p:grpSpPr>
       <p:sp>
         <p:nvSpPr>
-          <p:cNvPr id="9" name="Rectangle 8">
-            <a:extLst>
-              <a:ext uri="{FF2B5EF4-FFF2-40B4-BE49-F238E27FC236}">
-                <a16:creationId xmlns:a16="http://schemas.microsoft.com/office/drawing/2014/main" id="{8D70B121-56F4-4848-B38B-182089D909FA}"/>
-              </a:ext>
-              <a:ext uri="{C183D7F6-B498-43B3-948B-1728B52AA6E4}">
-                <adec:decorative xmlns:adec="http://schemas.microsoft.com/office/drawing/2017/decorative" val="1"/>
-              </a:ext>
-            </a:extLst>
-          </p:cNvPr>
-          <p:cNvSpPr>
-            <a:spLocks noGrp="1" noRot="1" noChangeAspect="1" noMove="1" noResize="1" noEditPoints="1" noAdjustHandles="1" noChangeArrowheads="1" noChangeShapeType="1" noTextEdit="1"/>
-          </p:cNvSpPr>
-          <p:nvPr>
-            <p:extLst>
-              <p:ext uri="{386F3935-93C4-4BCD-93E2-E3B085C9AB24}">
-                <p16:designElem xmlns:p16="http://schemas.microsoft.com/office/powerpoint/2015/main" val="1"/>
-              </p:ext>
-            </p:extLst>
-          </p:nvPr>
-        </p:nvSpPr>
-        <p:spPr bwMode="ltGray">
-          <a:xfrm>
-            <a:off x="321564" y="320040"/>
-            <a:ext cx="11548872" cy="6217920"/>
-          </a:xfrm>
-          <a:prstGeom prst="rect">
-            <a:avLst/>
-          </a:prstGeom>
-          <a:solidFill>
-            <a:schemeClr val="tx1">
-              <a:alpha val="8000"/>
-            </a:schemeClr>
-          </a:solidFill>
-          <a:ln w="127000" cap="sq" cmpd="thinThick">
-            <a:noFill/>
-          </a:ln>
-        </p:spPr>
-        <p:style>
-          <a:lnRef idx="2">
-            <a:schemeClr val="accent1">
-              <a:shade val="50000"/>
-            </a:schemeClr>
-          </a:lnRef>
-          <a:fillRef idx="1">
-            <a:schemeClr val="accent1"/>
-          </a:fillRef>
-          <a:effectRef idx="0">
-            <a:schemeClr val="accent1"/>
-          </a:effectRef>
-          <a:fontRef idx="minor">
-            <a:schemeClr val="lt1"/>
-          </a:fontRef>
-        </p:style>
-        <p:txBody>
-          <a:bodyPr rtlCol="0" anchor="ctr"/>
-          <a:lstStyle/>
-          <a:p>
-            <a:pPr algn="ctr"/>
-            <a:endParaRPr lang="en-US"/>
-          </a:p>
-        </p:txBody>
-      </p:sp>
-      <p:sp>
-        <p:nvSpPr>
-          <p:cNvPr id="2" name="Title 1">
-            <a:extLst>
-              <a:ext uri="{FF2B5EF4-FFF2-40B4-BE49-F238E27FC236}">
-                <a16:creationId xmlns:a16="http://schemas.microsoft.com/office/drawing/2014/main" id="{F704E35C-D224-45AC-847B-26AB97AA354A}"/>
-              </a:ext>
-            </a:extLst>
-          </p:cNvPr>
-          <p:cNvSpPr>
-            <a:spLocks noGrp="1"/>
-          </p:cNvSpPr>
-          <p:nvPr>
-            <p:ph type="title"/>
-          </p:nvPr>
-        </p:nvSpPr>
-        <p:spPr>
-          <a:xfrm>
-            <a:off x="838200" y="963877"/>
-            <a:ext cx="3494362" cy="4930246"/>
-          </a:xfrm>
-        </p:spPr>
-        <p:txBody>
-          <a:bodyPr>
-            <a:normAutofit/>
-          </a:bodyPr>
-          <a:lstStyle/>
-          <a:p>
-            <a:pPr algn="r"/>
-            <a:r>
-              <a:rPr lang="en-US" dirty="0">
-                <a:solidFill>
-                  <a:schemeClr val="accent1"/>
-                </a:solidFill>
-              </a:rPr>
-              <a:t>If you want to follow along:</a:t>
-            </a:r>
-          </a:p>
-        </p:txBody>
-      </p:sp>
-      <p:cxnSp>
-        <p:nvCxnSpPr>
-          <p:cNvPr id="16" name="Straight Connector 10">
-            <a:extLst>
-              <a:ext uri="{FF2B5EF4-FFF2-40B4-BE49-F238E27FC236}">
-                <a16:creationId xmlns:a16="http://schemas.microsoft.com/office/drawing/2014/main" id="{2D72A2C9-F3CA-4216-8BAD-FA4C970C3C4E}"/>
-              </a:ext>
-              <a:ext uri="{C183D7F6-B498-43B3-948B-1728B52AA6E4}">
-                <adec:decorative xmlns:adec="http://schemas.microsoft.com/office/drawing/2017/decorative" val="1"/>
-              </a:ext>
-            </a:extLst>
-          </p:cNvPr>
-          <p:cNvCxnSpPr>
-            <a:cxnSpLocks noGrp="1" noRot="1" noChangeAspect="1" noMove="1" noResize="1" noEditPoints="1" noAdjustHandles="1" noChangeArrowheads="1" noChangeShapeType="1"/>
-          </p:cNvCxnSpPr>
-          <p:nvPr>
-            <p:extLst>
-              <p:ext uri="{386F3935-93C4-4BCD-93E2-E3B085C9AB24}">
-                <p16:designElem xmlns:p16="http://schemas.microsoft.com/office/powerpoint/2015/main" val="1"/>
-              </p:ext>
-            </p:extLst>
-          </p:nvPr>
-        </p:nvCxnSpPr>
-        <p:spPr>
-          <a:xfrm>
-            <a:off x="4654296" y="2057400"/>
-            <a:ext cx="0" cy="2743200"/>
-          </a:xfrm>
-          <a:prstGeom prst="line">
-            <a:avLst/>
-          </a:prstGeom>
-          <a:ln w="19050">
-            <a:solidFill>
-              <a:schemeClr val="tx1">
-                <a:lumMod val="85000"/>
-                <a:lumOff val="15000"/>
-              </a:schemeClr>
-            </a:solidFill>
-          </a:ln>
-        </p:spPr>
-        <p:style>
-          <a:lnRef idx="1">
-            <a:schemeClr val="accent1"/>
-          </a:lnRef>
-          <a:fillRef idx="0">
-            <a:schemeClr val="accent1"/>
-          </a:fillRef>
-          <a:effectRef idx="0">
-            <a:schemeClr val="accent1"/>
-          </a:effectRef>
-          <a:fontRef idx="minor">
-            <a:schemeClr val="tx1"/>
-          </a:fontRef>
-        </p:style>
-      </p:cxnSp>
-      <p:sp>
-        <p:nvSpPr>
-          <p:cNvPr id="17" name="Rectangle 1">
-            <a:extLst>
-              <a:ext uri="{FF2B5EF4-FFF2-40B4-BE49-F238E27FC236}">
-                <a16:creationId xmlns:a16="http://schemas.microsoft.com/office/drawing/2014/main" id="{85D3DF81-FFD5-48DA-BC27-44050197EFC6}"/>
-              </a:ext>
-            </a:extLst>
-          </p:cNvPr>
-          <p:cNvSpPr>
-            <a:spLocks noGrp="1" noChangeArrowheads="1"/>
-          </p:cNvSpPr>
-          <p:nvPr>
-            <p:ph idx="1"/>
-          </p:nvPr>
-        </p:nvSpPr>
-        <p:spPr bwMode="auto">
-          <a:xfrm>
-            <a:off x="4976031" y="963877"/>
-            <a:ext cx="6377769" cy="4930246"/>
-          </a:xfrm>
-          <a:prstGeom prst="rect">
-            <a:avLst/>
-          </a:prstGeom>
-          <a:extLst>
-            <a:ext uri="{91240B29-F687-4F45-9708-019B960494DF}">
-              <a14:hiddenLine xmlns:a14="http://schemas.microsoft.com/office/drawing/2010/main" w="9525">
-                <a:solidFill>
-                  <a:schemeClr val="tx1"/>
-                </a:solidFill>
-                <a:miter lim="800000"/>
-                <a:headEnd/>
-                <a:tailEnd/>
-              </a14:hiddenLine>
-            </a:ext>
-            <a:ext uri="{AF507438-7753-43E0-B8FC-AC1667EBCBE1}">
-              <a14:hiddenEffects xmlns:a14="http://schemas.microsoft.com/office/drawing/2010/main">
-                <a:effectLst>
-                  <a:outerShdw dist="35921" dir="2700000" algn="ctr" rotWithShape="0">
-                    <a:schemeClr val="bg2"/>
-                  </a:outerShdw>
-                </a:effectLst>
-              </a14:hiddenEffects>
-            </a:ext>
-          </a:extLst>
-        </p:spPr>
-        <p:txBody>
-          <a:bodyPr vert="horz" lIns="91440" tIns="45720" rIns="91440" bIns="45720" numCol="1" anchor="ctr" anchorCtr="0" compatLnSpc="1">
-            <a:prstTxWarp prst="textNoShape">
-              <a:avLst/>
-            </a:prstTxWarp>
-            <a:normAutofit/>
-          </a:bodyPr>
-          <a:lstStyle>
-            <a:lvl1pPr eaLnBrk="0" fontAlgn="base" hangingPunct="0">
-              <a:spcBef>
-                <a:spcPct val="0"/>
-              </a:spcBef>
-              <a:spcAft>
-                <a:spcPct val="0"/>
-              </a:spcAft>
-              <a:defRPr>
-                <a:solidFill>
-                  <a:schemeClr val="tx1"/>
-                </a:solidFill>
-                <a:latin typeface="Arial" panose="020B0604020202020204" pitchFamily="34" charset="0"/>
-              </a:defRPr>
-            </a:lvl1pPr>
-            <a:lvl2pPr eaLnBrk="0" fontAlgn="base" hangingPunct="0">
-              <a:spcBef>
-                <a:spcPct val="0"/>
-              </a:spcBef>
-              <a:spcAft>
-                <a:spcPct val="0"/>
-              </a:spcAft>
-              <a:defRPr>
-                <a:solidFill>
-                  <a:schemeClr val="tx1"/>
-                </a:solidFill>
-                <a:latin typeface="Arial" panose="020B0604020202020204" pitchFamily="34" charset="0"/>
-              </a:defRPr>
-            </a:lvl2pPr>
-            <a:lvl3pPr eaLnBrk="0" fontAlgn="base" hangingPunct="0">
-              <a:spcBef>
-                <a:spcPct val="0"/>
-              </a:spcBef>
-              <a:spcAft>
-                <a:spcPct val="0"/>
-              </a:spcAft>
-              <a:defRPr>
-                <a:solidFill>
-                  <a:schemeClr val="tx1"/>
-                </a:solidFill>
-                <a:latin typeface="Arial" panose="020B0604020202020204" pitchFamily="34" charset="0"/>
-              </a:defRPr>
-            </a:lvl3pPr>
-            <a:lvl4pPr eaLnBrk="0" fontAlgn="base" hangingPunct="0">
-              <a:spcBef>
-                <a:spcPct val="0"/>
-              </a:spcBef>
-              <a:spcAft>
-                <a:spcPct val="0"/>
-              </a:spcAft>
-              <a:defRPr>
-                <a:solidFill>
-                  <a:schemeClr val="tx1"/>
-                </a:solidFill>
-                <a:latin typeface="Arial" panose="020B0604020202020204" pitchFamily="34" charset="0"/>
-              </a:defRPr>
-            </a:lvl4pPr>
-            <a:lvl5pPr eaLnBrk="0" fontAlgn="base" hangingPunct="0">
-              <a:spcBef>
-                <a:spcPct val="0"/>
-              </a:spcBef>
-              <a:spcAft>
-                <a:spcPct val="0"/>
-              </a:spcAft>
-              <a:defRPr>
-                <a:solidFill>
-                  <a:schemeClr val="tx1"/>
-                </a:solidFill>
-                <a:latin typeface="Arial" panose="020B0604020202020204" pitchFamily="34" charset="0"/>
-              </a:defRPr>
-            </a:lvl5pPr>
-            <a:lvl6pPr eaLnBrk="0" fontAlgn="base" hangingPunct="0">
-              <a:spcBef>
-                <a:spcPct val="0"/>
-              </a:spcBef>
-              <a:spcAft>
-                <a:spcPct val="0"/>
-              </a:spcAft>
-              <a:defRPr>
-                <a:solidFill>
-                  <a:schemeClr val="tx1"/>
-                </a:solidFill>
-                <a:latin typeface="Arial" panose="020B0604020202020204" pitchFamily="34" charset="0"/>
-              </a:defRPr>
-            </a:lvl6pPr>
-            <a:lvl7pPr eaLnBrk="0" fontAlgn="base" hangingPunct="0">
-              <a:spcBef>
-                <a:spcPct val="0"/>
-              </a:spcBef>
-              <a:spcAft>
-                <a:spcPct val="0"/>
-              </a:spcAft>
-              <a:defRPr>
-                <a:solidFill>
-                  <a:schemeClr val="tx1"/>
-                </a:solidFill>
-                <a:latin typeface="Arial" panose="020B0604020202020204" pitchFamily="34" charset="0"/>
-              </a:defRPr>
-            </a:lvl7pPr>
-            <a:lvl8pPr eaLnBrk="0" fontAlgn="base" hangingPunct="0">
-              <a:spcBef>
-                <a:spcPct val="0"/>
-              </a:spcBef>
-              <a:spcAft>
-                <a:spcPct val="0"/>
-              </a:spcAft>
-              <a:defRPr>
-                <a:solidFill>
-                  <a:schemeClr val="tx1"/>
-                </a:solidFill>
-                <a:latin typeface="Arial" panose="020B0604020202020204" pitchFamily="34" charset="0"/>
-              </a:defRPr>
-            </a:lvl8pPr>
-            <a:lvl9pPr eaLnBrk="0" fontAlgn="base" hangingPunct="0">
-              <a:spcBef>
-                <a:spcPct val="0"/>
-              </a:spcBef>
-              <a:spcAft>
-                <a:spcPct val="0"/>
-              </a:spcAft>
-              <a:defRPr>
-                <a:solidFill>
-                  <a:schemeClr val="tx1"/>
-                </a:solidFill>
-                <a:latin typeface="Arial" panose="020B0604020202020204" pitchFamily="34" charset="0"/>
-              </a:defRPr>
-            </a:lvl9pPr>
-          </a:lstStyle>
-          <a:p>
-            <a:pPr marL="0" marR="0" lvl="0" indent="0" defTabSz="914400" rtl="0" eaLnBrk="0" fontAlgn="base" latinLnBrk="0" hangingPunct="0">
-              <a:spcBef>
-                <a:spcPct val="0"/>
-              </a:spcBef>
-              <a:spcAft>
-                <a:spcPts val="600"/>
-              </a:spcAft>
-              <a:buClrTx/>
-              <a:buSzTx/>
-              <a:buFontTx/>
-              <a:buNone/>
-              <a:tabLst/>
-            </a:pPr>
-            <a:r>
-              <a:rPr kumimoji="0" lang="en-US" altLang="en-US" sz="2400" b="0" i="0" u="none" strike="noStrike" cap="none" normalizeH="0" baseline="0" dirty="0">
-                <a:ln>
-                  <a:noFill/>
-                </a:ln>
-                <a:effectLst/>
-                <a:latin typeface="Arial" panose="020B0604020202020204" pitchFamily="34" charset="0"/>
-                <a:cs typeface="Arial" panose="020B0604020202020204" pitchFamily="34" charset="0"/>
-              </a:rPr>
-              <a:t>1. Navigate to </a:t>
-            </a:r>
-            <a:r>
-              <a:rPr kumimoji="0" lang="en-US" altLang="en-US" sz="2400" b="0" i="0" u="none" strike="noStrike" cap="none" normalizeH="0" baseline="0" dirty="0">
-                <a:ln>
-                  <a:noFill/>
-                </a:ln>
-                <a:effectLst/>
-                <a:latin typeface="Arial" panose="020B0604020202020204" pitchFamily="34" charset="0"/>
-                <a:cs typeface="Arial" panose="020B0604020202020204" pitchFamily="34" charset="0"/>
-                <a:hlinkClick r:id="rId2"/>
-              </a:rPr>
-              <a:t>https://community.cloud.databricks.com</a:t>
-            </a:r>
-            <a:endParaRPr kumimoji="0" lang="en-US" altLang="en-US" sz="2400" b="0" i="0" u="none" strike="noStrike" cap="none" normalizeH="0" baseline="0" dirty="0">
-              <a:ln>
-                <a:noFill/>
-              </a:ln>
-              <a:effectLst/>
-            </a:endParaRPr>
-          </a:p>
-          <a:p>
-            <a:pPr marL="0" marR="0" lvl="0" indent="0" defTabSz="914400" rtl="0" eaLnBrk="0" fontAlgn="base" latinLnBrk="0" hangingPunct="0">
-              <a:spcBef>
-                <a:spcPct val="0"/>
-              </a:spcBef>
-              <a:spcAft>
-                <a:spcPts val="600"/>
-              </a:spcAft>
-              <a:buClrTx/>
-              <a:buSzTx/>
-              <a:buFontTx/>
-              <a:buNone/>
-              <a:tabLst/>
-            </a:pPr>
-            <a:r>
-              <a:rPr kumimoji="0" lang="en-US" altLang="en-US" sz="2400" b="0" i="0" u="none" strike="noStrike" cap="none" normalizeH="0" baseline="0" dirty="0">
-                <a:ln>
-                  <a:noFill/>
-                </a:ln>
-                <a:effectLst/>
-                <a:latin typeface="Arial" panose="020B0604020202020204" pitchFamily="34" charset="0"/>
-                <a:cs typeface="Arial" panose="020B0604020202020204" pitchFamily="34" charset="0"/>
-              </a:rPr>
-              <a:t>2. Sign up for an account</a:t>
-            </a:r>
-          </a:p>
-          <a:p>
-            <a:pPr marL="0" marR="0" lvl="0" indent="0" defTabSz="914400" rtl="0" eaLnBrk="0" fontAlgn="base" latinLnBrk="0" hangingPunct="0">
-              <a:spcBef>
-                <a:spcPct val="0"/>
-              </a:spcBef>
-              <a:spcAft>
-                <a:spcPts val="600"/>
-              </a:spcAft>
-              <a:buClrTx/>
-              <a:buSzTx/>
-              <a:buFontTx/>
-              <a:buNone/>
-              <a:tabLst/>
-            </a:pPr>
-            <a:r>
-              <a:rPr lang="en-US" altLang="en-US" sz="2400" dirty="0">
-                <a:cs typeface="Arial" panose="020B0604020202020204" pitchFamily="34" charset="0"/>
-              </a:rPr>
-              <a:t>3. Upload data with UI</a:t>
-            </a:r>
-          </a:p>
-          <a:p>
-            <a:pPr marL="0" marR="0" lvl="0" indent="0" defTabSz="914400" rtl="0" eaLnBrk="0" fontAlgn="base" latinLnBrk="0" hangingPunct="0">
-              <a:spcBef>
-                <a:spcPct val="0"/>
-              </a:spcBef>
-              <a:spcAft>
-                <a:spcPts val="600"/>
-              </a:spcAft>
-              <a:buClrTx/>
-              <a:buSzTx/>
-              <a:buFontTx/>
-              <a:buNone/>
-              <a:tabLst/>
-            </a:pPr>
-            <a:r>
-              <a:rPr kumimoji="0" lang="en-US" altLang="en-US" sz="2400" b="0" i="0" u="none" strike="noStrike" cap="none" normalizeH="0" baseline="0" dirty="0">
-                <a:ln>
-                  <a:noFill/>
-                </a:ln>
-                <a:effectLst/>
-                <a:latin typeface="Arial" panose="020B0604020202020204" pitchFamily="34" charset="0"/>
-                <a:cs typeface="Arial" panose="020B0604020202020204" pitchFamily="34" charset="0"/>
-              </a:rPr>
-              <a:t>4. Create a cluster</a:t>
-            </a:r>
-          </a:p>
-          <a:p>
-            <a:pPr marL="0" marR="0" lvl="0" indent="0" defTabSz="914400" rtl="0" eaLnBrk="0" fontAlgn="base" latinLnBrk="0" hangingPunct="0">
-              <a:spcBef>
-                <a:spcPct val="0"/>
-              </a:spcBef>
-              <a:spcAft>
-                <a:spcPts val="600"/>
-              </a:spcAft>
-              <a:buClrTx/>
-              <a:buSzTx/>
-              <a:buFontTx/>
-              <a:buNone/>
-              <a:tabLst/>
-            </a:pPr>
-            <a:r>
-              <a:rPr lang="en-US" altLang="en-US" sz="2400" dirty="0">
-                <a:cs typeface="Arial" panose="020B0604020202020204" pitchFamily="34" charset="0"/>
-              </a:rPr>
-              <a:t>5. Create a new notebook or import the one sent to you</a:t>
-            </a:r>
-          </a:p>
-          <a:p>
-            <a:pPr marL="0" marR="0" lvl="0" indent="0" defTabSz="914400" rtl="0" eaLnBrk="0" fontAlgn="base" latinLnBrk="0" hangingPunct="0">
-              <a:spcBef>
-                <a:spcPct val="0"/>
-              </a:spcBef>
-              <a:spcAft>
-                <a:spcPts val="600"/>
-              </a:spcAft>
-              <a:buClrTx/>
-              <a:buSzTx/>
-              <a:buFontTx/>
-              <a:buNone/>
-              <a:tabLst/>
-            </a:pPr>
-            <a:r>
-              <a:rPr kumimoji="0" lang="en-US" altLang="en-US" sz="2400" b="0" i="0" u="none" strike="noStrike" cap="none" normalizeH="0" baseline="0" dirty="0">
-                <a:ln>
-                  <a:noFill/>
-                </a:ln>
-                <a:effectLst/>
-                <a:latin typeface="Arial" panose="020B0604020202020204" pitchFamily="34" charset="0"/>
-                <a:cs typeface="Arial" panose="020B0604020202020204" pitchFamily="34" charset="0"/>
-              </a:rPr>
-              <a:t>6. Write SQL</a:t>
-            </a:r>
-            <a:endParaRPr kumimoji="0" lang="en-US" altLang="en-US" sz="2400" b="0" i="0" u="none" strike="noStrike" cap="none" normalizeH="0" baseline="0" dirty="0">
-              <a:ln>
-                <a:noFill/>
-              </a:ln>
-              <a:effectLst/>
-              <a:latin typeface="Arial" panose="020B0604020202020204" pitchFamily="34" charset="0"/>
-            </a:endParaRPr>
-          </a:p>
-        </p:txBody>
-      </p:sp>
-    </p:spTree>
-    <p:extLst>
-      <p:ext uri="{BB962C8B-B14F-4D97-AF65-F5344CB8AC3E}">
-        <p14:creationId xmlns:p14="http://schemas.microsoft.com/office/powerpoint/2010/main" val="2884031137"/>
-      </p:ext>
-    </p:extLst>
-  </p:cSld>
-  <p:clrMapOvr>
-    <a:masterClrMapping/>
-  </p:clrMapOvr>
-</p:sld>
-</file>
-
-<file path=ppt/slides/slide11.xml><?xml version="1.0" encoding="utf-8"?>
-<p:sld xmlns:a="http://schemas.openxmlformats.org/drawingml/2006/main" xmlns:r="http://schemas.openxmlformats.org/officeDocument/2006/relationships" xmlns:p="http://schemas.openxmlformats.org/presentationml/2006/main">
-  <p:cSld>
-    <p:bg>
-      <p:bgPr>
-        <a:solidFill>
-          <a:schemeClr val="bg1"/>
-        </a:solidFill>
-        <a:effectLst/>
-      </p:bgPr>
-    </p:bg>
-    <p:spTree>
-      <p:nvGrpSpPr>
-        <p:cNvPr id="1" name=""/>
-        <p:cNvGrpSpPr/>
-        <p:nvPr/>
-      </p:nvGrpSpPr>
-      <p:grpSpPr>
-        <a:xfrm>
-          <a:off x="0" y="0"/>
-          <a:ext cx="0" cy="0"/>
-          <a:chOff x="0" y="0"/>
-          <a:chExt cx="0" cy="0"/>
-        </a:xfrm>
-      </p:grpSpPr>
-      <p:sp>
-        <p:nvSpPr>
           <p:cNvPr id="10" name="Freeform: Shape 9">
             <a:extLst>
               <a:ext uri="{FF2B5EF4-FFF2-40B4-BE49-F238E27FC236}">
@@ -31167,7 +30621,7 @@
 </p:sld>
 </file>
 
-<file path=ppt/slides/slide12.xml><?xml version="1.0" encoding="utf-8"?>
+<file path=ppt/slides/slide11.xml><?xml version="1.0" encoding="utf-8"?>
 <p:sld xmlns:a="http://schemas.openxmlformats.org/drawingml/2006/main" xmlns:r="http://schemas.openxmlformats.org/officeDocument/2006/relationships" xmlns:p="http://schemas.openxmlformats.org/presentationml/2006/main">
   <p:cSld>
     <p:bg>
@@ -31535,7 +30989,7 @@
 </p:sld>
 </file>
 
-<file path=ppt/slides/slide13.xml><?xml version="1.0" encoding="utf-8"?>
+<file path=ppt/slides/slide12.xml><?xml version="1.0" encoding="utf-8"?>
 <p:sld xmlns:a="http://schemas.openxmlformats.org/drawingml/2006/main" xmlns:r="http://schemas.openxmlformats.org/officeDocument/2006/relationships" xmlns:p="http://schemas.openxmlformats.org/presentationml/2006/main">
   <p:cSld>
     <p:bg>
@@ -31946,7 +31400,7 @@
 </p:sld>
 </file>
 
-<file path=ppt/slides/slide14.xml><?xml version="1.0" encoding="utf-8"?>
+<file path=ppt/slides/slide13.xml><?xml version="1.0" encoding="utf-8"?>
 <p:sld xmlns:a="http://schemas.openxmlformats.org/drawingml/2006/main" xmlns:r="http://schemas.openxmlformats.org/officeDocument/2006/relationships" xmlns:p="http://schemas.openxmlformats.org/presentationml/2006/main">
   <p:cSld>
     <p:bg>
@@ -32319,7 +31773,7 @@
 </p:sld>
 </file>
 
-<file path=ppt/slides/slide15.xml><?xml version="1.0" encoding="utf-8"?>
+<file path=ppt/slides/slide14.xml><?xml version="1.0" encoding="utf-8"?>
 <p:sld xmlns:a="http://schemas.openxmlformats.org/drawingml/2006/main" xmlns:r="http://schemas.openxmlformats.org/officeDocument/2006/relationships" xmlns:p="http://schemas.openxmlformats.org/presentationml/2006/main">
   <p:cSld>
     <p:bg>
@@ -32583,7 +32037,7 @@
 </p:sld>
 </file>
 
-<file path=ppt/slides/slide16.xml><?xml version="1.0" encoding="utf-8"?>
+<file path=ppt/slides/slide15.xml><?xml version="1.0" encoding="utf-8"?>
 <p:sld xmlns:a="http://schemas.openxmlformats.org/drawingml/2006/main" xmlns:r="http://schemas.openxmlformats.org/officeDocument/2006/relationships" xmlns:p="http://schemas.openxmlformats.org/presentationml/2006/main">
   <p:cSld>
     <p:bg>
@@ -33172,7 +32626,7 @@
 </p:sld>
 </file>
 
-<file path=ppt/slides/slide17.xml><?xml version="1.0" encoding="utf-8"?>
+<file path=ppt/slides/slide16.xml><?xml version="1.0" encoding="utf-8"?>
 <p:sld xmlns:a="http://schemas.openxmlformats.org/drawingml/2006/main" xmlns:r="http://schemas.openxmlformats.org/officeDocument/2006/relationships" xmlns:p="http://schemas.openxmlformats.org/presentationml/2006/main">
   <p:cSld>
     <p:bg>
@@ -33761,7 +33215,7 @@
 </p:sld>
 </file>
 
-<file path=ppt/slides/slide18.xml><?xml version="1.0" encoding="utf-8"?>
+<file path=ppt/slides/slide17.xml><?xml version="1.0" encoding="utf-8"?>
 <p:sld xmlns:a="http://schemas.openxmlformats.org/drawingml/2006/main" xmlns:r="http://schemas.openxmlformats.org/officeDocument/2006/relationships" xmlns:p="http://schemas.openxmlformats.org/presentationml/2006/main">
   <p:cSld>
     <p:bg>
@@ -34022,71 +33476,6 @@
       </p:grpSpPr>
       <p:pic>
         <p:nvPicPr>
-          <p:cNvPr id="5" name="Content Placeholder 4">
-            <a:extLst>
-              <a:ext uri="{FF2B5EF4-FFF2-40B4-BE49-F238E27FC236}">
-                <a16:creationId xmlns:a16="http://schemas.microsoft.com/office/drawing/2014/main" id="{7D82A1CD-A3DE-4854-9108-2C04DC2CC8C7}"/>
-              </a:ext>
-            </a:extLst>
-          </p:cNvPr>
-          <p:cNvPicPr>
-            <a:picLocks noGrp="1" noChangeAspect="1"/>
-          </p:cNvPicPr>
-          <p:nvPr>
-            <p:ph idx="1"/>
-          </p:nvPr>
-        </p:nvPicPr>
-        <p:blipFill>
-          <a:blip r:embed="rId2">
-            <a:extLst>
-              <a:ext uri="{28A0092B-C50C-407E-A947-70E740481C1C}">
-                <a14:useLocalDpi xmlns:a14="http://schemas.microsoft.com/office/drawing/2010/main" val="0"/>
-              </a:ext>
-            </a:extLst>
-          </a:blip>
-          <a:stretch>
-            <a:fillRect/>
-          </a:stretch>
-        </p:blipFill>
-        <p:spPr>
-          <a:xfrm>
-            <a:off x="3541552" y="17383"/>
-            <a:ext cx="5108895" cy="6823233"/>
-          </a:xfrm>
-        </p:spPr>
-      </p:pic>
-    </p:spTree>
-    <p:extLst>
-      <p:ext uri="{BB962C8B-B14F-4D97-AF65-F5344CB8AC3E}">
-        <p14:creationId xmlns:p14="http://schemas.microsoft.com/office/powerpoint/2010/main" val="1639647541"/>
-      </p:ext>
-    </p:extLst>
-  </p:cSld>
-  <p:clrMapOvr>
-    <a:masterClrMapping/>
-  </p:clrMapOvr>
-</p:sld>
-</file>
-
-<file path=ppt/slides/slide3.xml><?xml version="1.0" encoding="utf-8"?>
-<p:sld xmlns:a="http://schemas.openxmlformats.org/drawingml/2006/main" xmlns:r="http://schemas.openxmlformats.org/officeDocument/2006/relationships" xmlns:p="http://schemas.openxmlformats.org/presentationml/2006/main">
-  <p:cSld>
-    <p:spTree>
-      <p:nvGrpSpPr>
-        <p:cNvPr id="1" name=""/>
-        <p:cNvGrpSpPr/>
-        <p:nvPr/>
-      </p:nvGrpSpPr>
-      <p:grpSpPr>
-        <a:xfrm>
-          <a:off x="0" y="0"/>
-          <a:ext cx="0" cy="0"/>
-          <a:chOff x="0" y="0"/>
-          <a:chExt cx="0" cy="0"/>
-        </a:xfrm>
-      </p:grpSpPr>
-      <p:pic>
-        <p:nvPicPr>
           <p:cNvPr id="2050" name="Picture 2" descr="https://cdn.lynda.com/course/718660/718660-636656071008854100-16x9.jpg">
             <a:extLst>
               <a:ext uri="{FF2B5EF4-FFF2-40B4-BE49-F238E27FC236}">
@@ -34215,7 +33604,7 @@
 </p:sld>
 </file>
 
-<file path=ppt/slides/slide4.xml><?xml version="1.0" encoding="utf-8"?>
+<file path=ppt/slides/slide3.xml><?xml version="1.0" encoding="utf-8"?>
 <p:sld xmlns:a="http://schemas.openxmlformats.org/drawingml/2006/main" xmlns:r="http://schemas.openxmlformats.org/officeDocument/2006/relationships" xmlns:p="http://schemas.openxmlformats.org/presentationml/2006/main">
   <p:cSld>
     <p:bg>
@@ -34804,7 +34193,7 @@
 </p:sld>
 </file>
 
-<file path=ppt/slides/slide5.xml><?xml version="1.0" encoding="utf-8"?>
+<file path=ppt/slides/slide4.xml><?xml version="1.0" encoding="utf-8"?>
 <p:sld xmlns:a="http://schemas.openxmlformats.org/drawingml/2006/main" xmlns:r="http://schemas.openxmlformats.org/officeDocument/2006/relationships" xmlns:p="http://schemas.openxmlformats.org/presentationml/2006/main">
   <p:cSld>
     <p:bg>
@@ -35393,7 +34782,7 @@
 </p:sld>
 </file>
 
-<file path=ppt/slides/slide6.xml><?xml version="1.0" encoding="utf-8"?>
+<file path=ppt/slides/slide5.xml><?xml version="1.0" encoding="utf-8"?>
 <p:sld xmlns:a="http://schemas.openxmlformats.org/drawingml/2006/main" xmlns:r="http://schemas.openxmlformats.org/officeDocument/2006/relationships" xmlns:p="http://schemas.openxmlformats.org/presentationml/2006/main">
   <p:cSld>
     <p:bg>
@@ -35656,7 +35045,7 @@
 </p:sld>
 </file>
 
-<file path=ppt/slides/slide7.xml><?xml version="1.0" encoding="utf-8"?>
+<file path=ppt/slides/slide6.xml><?xml version="1.0" encoding="utf-8"?>
 <p:sld xmlns:a="http://schemas.openxmlformats.org/drawingml/2006/main" xmlns:r="http://schemas.openxmlformats.org/officeDocument/2006/relationships" xmlns:p="http://schemas.openxmlformats.org/presentationml/2006/main">
   <p:cSld>
     <p:bg>
@@ -36188,7 +35577,7 @@
 </p:sld>
 </file>
 
-<file path=ppt/slides/slide8.xml><?xml version="1.0" encoding="utf-8"?>
+<file path=ppt/slides/slide7.xml><?xml version="1.0" encoding="utf-8"?>
 <p:sld xmlns:a="http://schemas.openxmlformats.org/drawingml/2006/main" xmlns:r="http://schemas.openxmlformats.org/officeDocument/2006/relationships" xmlns:p="http://schemas.openxmlformats.org/presentationml/2006/main">
   <p:cSld>
     <p:bg>
@@ -36494,7 +35883,7 @@
 </p:sld>
 </file>
 
-<file path=ppt/slides/slide9.xml><?xml version="1.0" encoding="utf-8"?>
+<file path=ppt/slides/slide8.xml><?xml version="1.0" encoding="utf-8"?>
 <p:sld xmlns:a="http://schemas.openxmlformats.org/drawingml/2006/main" xmlns:r="http://schemas.openxmlformats.org/officeDocument/2006/relationships" xmlns:p="http://schemas.openxmlformats.org/presentationml/2006/main">
   <p:cSld>
     <p:bg>
@@ -37083,6 +36472,558 @@
 </p:sld>
 </file>
 
+<file path=ppt/slides/slide9.xml><?xml version="1.0" encoding="utf-8"?>
+<p:sld xmlns:a="http://schemas.openxmlformats.org/drawingml/2006/main" xmlns:r="http://schemas.openxmlformats.org/officeDocument/2006/relationships" xmlns:p="http://schemas.openxmlformats.org/presentationml/2006/main">
+  <p:cSld>
+    <p:bg>
+      <p:bgPr>
+        <a:solidFill>
+          <a:schemeClr val="bg1"/>
+        </a:solidFill>
+        <a:effectLst/>
+      </p:bgPr>
+    </p:bg>
+    <p:spTree>
+      <p:nvGrpSpPr>
+        <p:cNvPr id="1" name=""/>
+        <p:cNvGrpSpPr/>
+        <p:nvPr/>
+      </p:nvGrpSpPr>
+      <p:grpSpPr>
+        <a:xfrm>
+          <a:off x="0" y="0"/>
+          <a:ext cx="0" cy="0"/>
+          <a:chOff x="0" y="0"/>
+          <a:chExt cx="0" cy="0"/>
+        </a:xfrm>
+      </p:grpSpPr>
+      <p:sp>
+        <p:nvSpPr>
+          <p:cNvPr id="9" name="Rectangle 8">
+            <a:extLst>
+              <a:ext uri="{FF2B5EF4-FFF2-40B4-BE49-F238E27FC236}">
+                <a16:creationId xmlns:a16="http://schemas.microsoft.com/office/drawing/2014/main" id="{8D70B121-56F4-4848-B38B-182089D909FA}"/>
+              </a:ext>
+              <a:ext uri="{C183D7F6-B498-43B3-948B-1728B52AA6E4}">
+                <adec:decorative xmlns:adec="http://schemas.microsoft.com/office/drawing/2017/decorative" val="1"/>
+              </a:ext>
+            </a:extLst>
+          </p:cNvPr>
+          <p:cNvSpPr>
+            <a:spLocks noGrp="1" noRot="1" noChangeAspect="1" noMove="1" noResize="1" noEditPoints="1" noAdjustHandles="1" noChangeArrowheads="1" noChangeShapeType="1" noTextEdit="1"/>
+          </p:cNvSpPr>
+          <p:nvPr>
+            <p:extLst>
+              <p:ext uri="{386F3935-93C4-4BCD-93E2-E3B085C9AB24}">
+                <p16:designElem xmlns:p16="http://schemas.microsoft.com/office/powerpoint/2015/main" val="1"/>
+              </p:ext>
+            </p:extLst>
+          </p:nvPr>
+        </p:nvSpPr>
+        <p:spPr bwMode="ltGray">
+          <a:xfrm>
+            <a:off x="321564" y="320040"/>
+            <a:ext cx="11548872" cy="6217920"/>
+          </a:xfrm>
+          <a:prstGeom prst="rect">
+            <a:avLst/>
+          </a:prstGeom>
+          <a:solidFill>
+            <a:schemeClr val="tx1">
+              <a:alpha val="8000"/>
+            </a:schemeClr>
+          </a:solidFill>
+          <a:ln w="127000" cap="sq" cmpd="thinThick">
+            <a:noFill/>
+          </a:ln>
+        </p:spPr>
+        <p:style>
+          <a:lnRef idx="2">
+            <a:schemeClr val="accent1">
+              <a:shade val="50000"/>
+            </a:schemeClr>
+          </a:lnRef>
+          <a:fillRef idx="1">
+            <a:schemeClr val="accent1"/>
+          </a:fillRef>
+          <a:effectRef idx="0">
+            <a:schemeClr val="accent1"/>
+          </a:effectRef>
+          <a:fontRef idx="minor">
+            <a:schemeClr val="lt1"/>
+          </a:fontRef>
+        </p:style>
+        <p:txBody>
+          <a:bodyPr rtlCol="0" anchor="ctr"/>
+          <a:lstStyle/>
+          <a:p>
+            <a:pPr algn="ctr"/>
+            <a:endParaRPr lang="en-US"/>
+          </a:p>
+        </p:txBody>
+      </p:sp>
+      <p:sp>
+        <p:nvSpPr>
+          <p:cNvPr id="2" name="Title 1">
+            <a:extLst>
+              <a:ext uri="{FF2B5EF4-FFF2-40B4-BE49-F238E27FC236}">
+                <a16:creationId xmlns:a16="http://schemas.microsoft.com/office/drawing/2014/main" id="{F704E35C-D224-45AC-847B-26AB97AA354A}"/>
+              </a:ext>
+            </a:extLst>
+          </p:cNvPr>
+          <p:cNvSpPr>
+            <a:spLocks noGrp="1"/>
+          </p:cNvSpPr>
+          <p:nvPr>
+            <p:ph type="title"/>
+          </p:nvPr>
+        </p:nvSpPr>
+        <p:spPr>
+          <a:xfrm>
+            <a:off x="838200" y="963877"/>
+            <a:ext cx="3494362" cy="4930246"/>
+          </a:xfrm>
+        </p:spPr>
+        <p:txBody>
+          <a:bodyPr>
+            <a:normAutofit/>
+          </a:bodyPr>
+          <a:lstStyle/>
+          <a:p>
+            <a:pPr algn="r"/>
+            <a:r>
+              <a:rPr lang="en-US" dirty="0">
+                <a:solidFill>
+                  <a:schemeClr val="accent1"/>
+                </a:solidFill>
+              </a:rPr>
+              <a:t>If you want to follow along:</a:t>
+            </a:r>
+          </a:p>
+        </p:txBody>
+      </p:sp>
+      <p:cxnSp>
+        <p:nvCxnSpPr>
+          <p:cNvPr id="16" name="Straight Connector 10">
+            <a:extLst>
+              <a:ext uri="{FF2B5EF4-FFF2-40B4-BE49-F238E27FC236}">
+                <a16:creationId xmlns:a16="http://schemas.microsoft.com/office/drawing/2014/main" id="{2D72A2C9-F3CA-4216-8BAD-FA4C970C3C4E}"/>
+              </a:ext>
+              <a:ext uri="{C183D7F6-B498-43B3-948B-1728B52AA6E4}">
+                <adec:decorative xmlns:adec="http://schemas.microsoft.com/office/drawing/2017/decorative" val="1"/>
+              </a:ext>
+            </a:extLst>
+          </p:cNvPr>
+          <p:cNvCxnSpPr>
+            <a:cxnSpLocks noGrp="1" noRot="1" noChangeAspect="1" noMove="1" noResize="1" noEditPoints="1" noAdjustHandles="1" noChangeArrowheads="1" noChangeShapeType="1"/>
+          </p:cNvCxnSpPr>
+          <p:nvPr>
+            <p:extLst>
+              <p:ext uri="{386F3935-93C4-4BCD-93E2-E3B085C9AB24}">
+                <p16:designElem xmlns:p16="http://schemas.microsoft.com/office/powerpoint/2015/main" val="1"/>
+              </p:ext>
+            </p:extLst>
+          </p:nvPr>
+        </p:nvCxnSpPr>
+        <p:spPr>
+          <a:xfrm>
+            <a:off x="4654296" y="2057400"/>
+            <a:ext cx="0" cy="2743200"/>
+          </a:xfrm>
+          <a:prstGeom prst="line">
+            <a:avLst/>
+          </a:prstGeom>
+          <a:ln w="19050">
+            <a:solidFill>
+              <a:schemeClr val="tx1">
+                <a:lumMod val="85000"/>
+                <a:lumOff val="15000"/>
+              </a:schemeClr>
+            </a:solidFill>
+          </a:ln>
+        </p:spPr>
+        <p:style>
+          <a:lnRef idx="1">
+            <a:schemeClr val="accent1"/>
+          </a:lnRef>
+          <a:fillRef idx="0">
+            <a:schemeClr val="accent1"/>
+          </a:fillRef>
+          <a:effectRef idx="0">
+            <a:schemeClr val="accent1"/>
+          </a:effectRef>
+          <a:fontRef idx="minor">
+            <a:schemeClr val="tx1"/>
+          </a:fontRef>
+        </p:style>
+      </p:cxnSp>
+      <p:sp>
+        <p:nvSpPr>
+          <p:cNvPr id="17" name="Rectangle 1">
+            <a:extLst>
+              <a:ext uri="{FF2B5EF4-FFF2-40B4-BE49-F238E27FC236}">
+                <a16:creationId xmlns:a16="http://schemas.microsoft.com/office/drawing/2014/main" id="{85D3DF81-FFD5-48DA-BC27-44050197EFC6}"/>
+              </a:ext>
+            </a:extLst>
+          </p:cNvPr>
+          <p:cNvSpPr>
+            <a:spLocks noGrp="1" noChangeArrowheads="1"/>
+          </p:cNvSpPr>
+          <p:nvPr>
+            <p:ph idx="1"/>
+          </p:nvPr>
+        </p:nvSpPr>
+        <p:spPr bwMode="auto">
+          <a:xfrm>
+            <a:off x="4976031" y="963877"/>
+            <a:ext cx="6377769" cy="4930246"/>
+          </a:xfrm>
+          <a:prstGeom prst="rect">
+            <a:avLst/>
+          </a:prstGeom>
+          <a:extLst>
+            <a:ext uri="{91240B29-F687-4F45-9708-019B960494DF}">
+              <a14:hiddenLine xmlns:a14="http://schemas.microsoft.com/office/drawing/2010/main" w="9525">
+                <a:solidFill>
+                  <a:schemeClr val="tx1"/>
+                </a:solidFill>
+                <a:miter lim="800000"/>
+                <a:headEnd/>
+                <a:tailEnd/>
+              </a14:hiddenLine>
+            </a:ext>
+            <a:ext uri="{AF507438-7753-43E0-B8FC-AC1667EBCBE1}">
+              <a14:hiddenEffects xmlns:a14="http://schemas.microsoft.com/office/drawing/2010/main">
+                <a:effectLst>
+                  <a:outerShdw dist="35921" dir="2700000" algn="ctr" rotWithShape="0">
+                    <a:schemeClr val="bg2"/>
+                  </a:outerShdw>
+                </a:effectLst>
+              </a14:hiddenEffects>
+            </a:ext>
+          </a:extLst>
+        </p:spPr>
+        <p:txBody>
+          <a:bodyPr vert="horz" lIns="91440" tIns="45720" rIns="91440" bIns="45720" numCol="1" anchor="ctr" anchorCtr="0" compatLnSpc="1">
+            <a:prstTxWarp prst="textNoShape">
+              <a:avLst/>
+            </a:prstTxWarp>
+            <a:normAutofit/>
+          </a:bodyPr>
+          <a:lstStyle>
+            <a:lvl1pPr eaLnBrk="0" fontAlgn="base" hangingPunct="0">
+              <a:spcBef>
+                <a:spcPct val="0"/>
+              </a:spcBef>
+              <a:spcAft>
+                <a:spcPct val="0"/>
+              </a:spcAft>
+              <a:defRPr>
+                <a:solidFill>
+                  <a:schemeClr val="tx1"/>
+                </a:solidFill>
+                <a:latin typeface="Arial" panose="020B0604020202020204" pitchFamily="34" charset="0"/>
+              </a:defRPr>
+            </a:lvl1pPr>
+            <a:lvl2pPr eaLnBrk="0" fontAlgn="base" hangingPunct="0">
+              <a:spcBef>
+                <a:spcPct val="0"/>
+              </a:spcBef>
+              <a:spcAft>
+                <a:spcPct val="0"/>
+              </a:spcAft>
+              <a:defRPr>
+                <a:solidFill>
+                  <a:schemeClr val="tx1"/>
+                </a:solidFill>
+                <a:latin typeface="Arial" panose="020B0604020202020204" pitchFamily="34" charset="0"/>
+              </a:defRPr>
+            </a:lvl2pPr>
+            <a:lvl3pPr eaLnBrk="0" fontAlgn="base" hangingPunct="0">
+              <a:spcBef>
+                <a:spcPct val="0"/>
+              </a:spcBef>
+              <a:spcAft>
+                <a:spcPct val="0"/>
+              </a:spcAft>
+              <a:defRPr>
+                <a:solidFill>
+                  <a:schemeClr val="tx1"/>
+                </a:solidFill>
+                <a:latin typeface="Arial" panose="020B0604020202020204" pitchFamily="34" charset="0"/>
+              </a:defRPr>
+            </a:lvl3pPr>
+            <a:lvl4pPr eaLnBrk="0" fontAlgn="base" hangingPunct="0">
+              <a:spcBef>
+                <a:spcPct val="0"/>
+              </a:spcBef>
+              <a:spcAft>
+                <a:spcPct val="0"/>
+              </a:spcAft>
+              <a:defRPr>
+                <a:solidFill>
+                  <a:schemeClr val="tx1"/>
+                </a:solidFill>
+                <a:latin typeface="Arial" panose="020B0604020202020204" pitchFamily="34" charset="0"/>
+              </a:defRPr>
+            </a:lvl4pPr>
+            <a:lvl5pPr eaLnBrk="0" fontAlgn="base" hangingPunct="0">
+              <a:spcBef>
+                <a:spcPct val="0"/>
+              </a:spcBef>
+              <a:spcAft>
+                <a:spcPct val="0"/>
+              </a:spcAft>
+              <a:defRPr>
+                <a:solidFill>
+                  <a:schemeClr val="tx1"/>
+                </a:solidFill>
+                <a:latin typeface="Arial" panose="020B0604020202020204" pitchFamily="34" charset="0"/>
+              </a:defRPr>
+            </a:lvl5pPr>
+            <a:lvl6pPr eaLnBrk="0" fontAlgn="base" hangingPunct="0">
+              <a:spcBef>
+                <a:spcPct val="0"/>
+              </a:spcBef>
+              <a:spcAft>
+                <a:spcPct val="0"/>
+              </a:spcAft>
+              <a:defRPr>
+                <a:solidFill>
+                  <a:schemeClr val="tx1"/>
+                </a:solidFill>
+                <a:latin typeface="Arial" panose="020B0604020202020204" pitchFamily="34" charset="0"/>
+              </a:defRPr>
+            </a:lvl6pPr>
+            <a:lvl7pPr eaLnBrk="0" fontAlgn="base" hangingPunct="0">
+              <a:spcBef>
+                <a:spcPct val="0"/>
+              </a:spcBef>
+              <a:spcAft>
+                <a:spcPct val="0"/>
+              </a:spcAft>
+              <a:defRPr>
+                <a:solidFill>
+                  <a:schemeClr val="tx1"/>
+                </a:solidFill>
+                <a:latin typeface="Arial" panose="020B0604020202020204" pitchFamily="34" charset="0"/>
+              </a:defRPr>
+            </a:lvl7pPr>
+            <a:lvl8pPr eaLnBrk="0" fontAlgn="base" hangingPunct="0">
+              <a:spcBef>
+                <a:spcPct val="0"/>
+              </a:spcBef>
+              <a:spcAft>
+                <a:spcPct val="0"/>
+              </a:spcAft>
+              <a:defRPr>
+                <a:solidFill>
+                  <a:schemeClr val="tx1"/>
+                </a:solidFill>
+                <a:latin typeface="Arial" panose="020B0604020202020204" pitchFamily="34" charset="0"/>
+              </a:defRPr>
+            </a:lvl8pPr>
+            <a:lvl9pPr eaLnBrk="0" fontAlgn="base" hangingPunct="0">
+              <a:spcBef>
+                <a:spcPct val="0"/>
+              </a:spcBef>
+              <a:spcAft>
+                <a:spcPct val="0"/>
+              </a:spcAft>
+              <a:defRPr>
+                <a:solidFill>
+                  <a:schemeClr val="tx1"/>
+                </a:solidFill>
+                <a:latin typeface="Arial" panose="020B0604020202020204" pitchFamily="34" charset="0"/>
+              </a:defRPr>
+            </a:lvl9pPr>
+          </a:lstStyle>
+          <a:p>
+            <a:pPr marL="0" marR="0" lvl="0" indent="0" defTabSz="914400" rtl="0" eaLnBrk="0" fontAlgn="base" latinLnBrk="0" hangingPunct="0">
+              <a:spcBef>
+                <a:spcPct val="0"/>
+              </a:spcBef>
+              <a:spcAft>
+                <a:spcPts val="600"/>
+              </a:spcAft>
+              <a:buClrTx/>
+              <a:buSzTx/>
+              <a:buFontTx/>
+              <a:buNone/>
+              <a:tabLst/>
+            </a:pPr>
+            <a:r>
+              <a:rPr kumimoji="0" lang="en-US" altLang="en-US" sz="2400" b="0" i="0" u="none" strike="noStrike" cap="none" normalizeH="0" baseline="0" dirty="0">
+                <a:ln>
+                  <a:noFill/>
+                </a:ln>
+                <a:effectLst/>
+                <a:latin typeface="Arial" panose="020B0604020202020204" pitchFamily="34" charset="0"/>
+                <a:cs typeface="Arial" panose="020B0604020202020204" pitchFamily="34" charset="0"/>
+              </a:rPr>
+              <a:t>1. Navigate to </a:t>
+            </a:r>
+            <a:r>
+              <a:rPr kumimoji="0" lang="en-US" altLang="en-US" sz="2400" b="0" i="0" u="none" strike="noStrike" cap="none" normalizeH="0" baseline="0" dirty="0">
+                <a:ln>
+                  <a:noFill/>
+                </a:ln>
+                <a:effectLst/>
+                <a:latin typeface="Arial" panose="020B0604020202020204" pitchFamily="34" charset="0"/>
+                <a:cs typeface="Arial" panose="020B0604020202020204" pitchFamily="34" charset="0"/>
+                <a:hlinkClick r:id="rId2"/>
+              </a:rPr>
+              <a:t>https://community.cloud.databricks.com</a:t>
+            </a:r>
+            <a:endParaRPr kumimoji="0" lang="en-US" altLang="en-US" sz="2400" b="0" i="0" u="none" strike="noStrike" cap="none" normalizeH="0" baseline="0" dirty="0">
+              <a:ln>
+                <a:noFill/>
+              </a:ln>
+              <a:effectLst/>
+            </a:endParaRPr>
+          </a:p>
+          <a:p>
+            <a:pPr marL="0" marR="0" lvl="0" indent="0" defTabSz="914400" rtl="0" eaLnBrk="0" fontAlgn="base" latinLnBrk="0" hangingPunct="0">
+              <a:spcBef>
+                <a:spcPct val="0"/>
+              </a:spcBef>
+              <a:spcAft>
+                <a:spcPts val="600"/>
+              </a:spcAft>
+              <a:buClrTx/>
+              <a:buSzTx/>
+              <a:buFontTx/>
+              <a:buNone/>
+              <a:tabLst/>
+            </a:pPr>
+            <a:r>
+              <a:rPr kumimoji="0" lang="en-US" altLang="en-US" sz="2400" b="0" i="0" u="none" strike="noStrike" cap="none" normalizeH="0" baseline="0" dirty="0">
+                <a:ln>
+                  <a:noFill/>
+                </a:ln>
+                <a:effectLst/>
+                <a:latin typeface="Arial" panose="020B0604020202020204" pitchFamily="34" charset="0"/>
+                <a:cs typeface="Arial" panose="020B0604020202020204" pitchFamily="34" charset="0"/>
+              </a:rPr>
+              <a:t>2. Sign up for an account</a:t>
+            </a:r>
+          </a:p>
+          <a:p>
+            <a:pPr marL="0" marR="0" lvl="0" indent="0" defTabSz="914400" rtl="0" eaLnBrk="0" fontAlgn="base" latinLnBrk="0" hangingPunct="0">
+              <a:spcBef>
+                <a:spcPct val="0"/>
+              </a:spcBef>
+              <a:spcAft>
+                <a:spcPts val="600"/>
+              </a:spcAft>
+              <a:buClrTx/>
+              <a:buSzTx/>
+              <a:buFontTx/>
+              <a:buNone/>
+              <a:tabLst/>
+            </a:pPr>
+            <a:r>
+              <a:rPr lang="en-US" altLang="en-US" sz="2400" dirty="0">
+                <a:cs typeface="Arial" panose="020B0604020202020204" pitchFamily="34" charset="0"/>
+              </a:rPr>
+              <a:t>3. Upload data with UI</a:t>
+            </a:r>
+          </a:p>
+          <a:p>
+            <a:pPr marL="0" marR="0" lvl="0" indent="0" defTabSz="914400" rtl="0" eaLnBrk="0" fontAlgn="base" latinLnBrk="0" hangingPunct="0">
+              <a:spcBef>
+                <a:spcPct val="0"/>
+              </a:spcBef>
+              <a:spcAft>
+                <a:spcPts val="600"/>
+              </a:spcAft>
+              <a:buClrTx/>
+              <a:buSzTx/>
+              <a:buFontTx/>
+              <a:buNone/>
+              <a:tabLst/>
+            </a:pPr>
+            <a:r>
+              <a:rPr kumimoji="0" lang="en-US" altLang="en-US" sz="2400" b="0" i="0" u="none" strike="noStrike" cap="none" normalizeH="0" baseline="0" dirty="0">
+                <a:ln>
+                  <a:noFill/>
+                </a:ln>
+                <a:effectLst/>
+                <a:latin typeface="Arial" panose="020B0604020202020204" pitchFamily="34" charset="0"/>
+                <a:cs typeface="Arial" panose="020B0604020202020204" pitchFamily="34" charset="0"/>
+              </a:rPr>
+              <a:t>4. Create a cluster</a:t>
+            </a:r>
+          </a:p>
+          <a:p>
+            <a:pPr marL="0" marR="0" lvl="0" indent="0" defTabSz="914400" rtl="0" eaLnBrk="0" fontAlgn="base" latinLnBrk="0" hangingPunct="0">
+              <a:spcBef>
+                <a:spcPct val="0"/>
+              </a:spcBef>
+              <a:spcAft>
+                <a:spcPts val="600"/>
+              </a:spcAft>
+              <a:buClrTx/>
+              <a:buSzTx/>
+              <a:buFontTx/>
+              <a:buNone/>
+              <a:tabLst/>
+            </a:pPr>
+            <a:r>
+              <a:rPr lang="en-US" altLang="en-US" sz="2400" dirty="0">
+                <a:cs typeface="Arial" panose="020B0604020202020204" pitchFamily="34" charset="0"/>
+              </a:rPr>
+              <a:t>5. Create a new notebook or import the one sent to you</a:t>
+            </a:r>
+          </a:p>
+          <a:p>
+            <a:pPr marL="0" marR="0" lvl="0" indent="0" defTabSz="914400" rtl="0" eaLnBrk="0" fontAlgn="base" latinLnBrk="0" hangingPunct="0">
+              <a:spcBef>
+                <a:spcPct val="0"/>
+              </a:spcBef>
+              <a:spcAft>
+                <a:spcPts val="600"/>
+              </a:spcAft>
+              <a:buClrTx/>
+              <a:buSzTx/>
+              <a:buFontTx/>
+              <a:buNone/>
+              <a:tabLst/>
+            </a:pPr>
+            <a:r>
+              <a:rPr kumimoji="0" lang="en-US" altLang="en-US" sz="2400" b="0" i="0" u="none" strike="noStrike" cap="none" normalizeH="0" baseline="0" dirty="0">
+                <a:ln>
+                  <a:noFill/>
+                </a:ln>
+                <a:effectLst/>
+                <a:latin typeface="Arial" panose="020B0604020202020204" pitchFamily="34" charset="0"/>
+                <a:cs typeface="Arial" panose="020B0604020202020204" pitchFamily="34" charset="0"/>
+              </a:rPr>
+              <a:t>6. Write SQL</a:t>
+            </a:r>
+            <a:endParaRPr kumimoji="0" lang="en-US" altLang="en-US" sz="2400" b="0" i="0" u="none" strike="noStrike" cap="none" normalizeH="0" baseline="0" dirty="0">
+              <a:ln>
+                <a:noFill/>
+              </a:ln>
+              <a:effectLst/>
+              <a:latin typeface="Arial" panose="020B0604020202020204" pitchFamily="34" charset="0"/>
+            </a:endParaRPr>
+          </a:p>
+        </p:txBody>
+      </p:sp>
+    </p:spTree>
+    <p:extLst>
+      <p:ext uri="{BB962C8B-B14F-4D97-AF65-F5344CB8AC3E}">
+        <p14:creationId xmlns:p14="http://schemas.microsoft.com/office/powerpoint/2010/main" val="2884031137"/>
+      </p:ext>
+    </p:extLst>
+  </p:cSld>
+  <p:clrMapOvr>
+    <a:masterClrMapping/>
+  </p:clrMapOvr>
+</p:sld>
+</file>
+
 <file path=ppt/theme/theme1.xml><?xml version="1.0" encoding="utf-8"?>
 <a:theme xmlns:a="http://schemas.openxmlformats.org/drawingml/2006/main" name="Office Theme">
   <a:themeElements>
